--- a/z.ReadMeAssets/TemperatureTestingStand.pptx
+++ b/z.ReadMeAssets/TemperatureTestingStand.pptx
@@ -4,12 +4,18 @@
   <p:sldMasterIdLst>
     <p:sldMasterId id="2147483648" r:id="rId1"/>
   </p:sldMasterIdLst>
+  <p:notesMasterIdLst>
+    <p:notesMasterId r:id="rId10"/>
+  </p:notesMasterIdLst>
   <p:sldIdLst>
     <p:sldId id="256" r:id="rId2"/>
     <p:sldId id="259" r:id="rId3"/>
     <p:sldId id="260" r:id="rId4"/>
     <p:sldId id="258" r:id="rId5"/>
-    <p:sldId id="257" r:id="rId6"/>
+    <p:sldId id="261" r:id="rId6"/>
+    <p:sldId id="265" r:id="rId7"/>
+    <p:sldId id="264" r:id="rId8"/>
+    <p:sldId id="262" r:id="rId9"/>
   </p:sldIdLst>
   <p:sldSz cx="12192000" cy="6858000"/>
   <p:notesSz cx="6858000" cy="9144000"/>
@@ -114,6 +120,439 @@
     </p:ext>
   </p:extLst>
 </p:presentation>
+</file>
+
+<file path=ppt/notesMasters/notesMaster1.xml><?xml version="1.0" encoding="utf-8"?>
+<p:notesMaster xmlns:a="http://schemas.openxmlformats.org/drawingml/2006/main" xmlns:r="http://schemas.openxmlformats.org/officeDocument/2006/relationships" xmlns:p="http://schemas.openxmlformats.org/presentationml/2006/main">
+  <p:cSld>
+    <p:bg>
+      <p:bgRef idx="1001">
+        <a:schemeClr val="bg1"/>
+      </p:bgRef>
+    </p:bg>
+    <p:spTree>
+      <p:nvGrpSpPr>
+        <p:cNvPr id="1" name=""/>
+        <p:cNvGrpSpPr/>
+        <p:nvPr/>
+      </p:nvGrpSpPr>
+      <p:grpSpPr>
+        <a:xfrm>
+          <a:off x="0" y="0"/>
+          <a:ext cx="0" cy="0"/>
+          <a:chOff x="0" y="0"/>
+          <a:chExt cx="0" cy="0"/>
+        </a:xfrm>
+      </p:grpSpPr>
+      <p:sp>
+        <p:nvSpPr>
+          <p:cNvPr id="2" name="Header Placeholder 1"/>
+          <p:cNvSpPr>
+            <a:spLocks noGrp="1"/>
+          </p:cNvSpPr>
+          <p:nvPr>
+            <p:ph type="hdr" sz="quarter"/>
+          </p:nvPr>
+        </p:nvSpPr>
+        <p:spPr>
+          <a:xfrm>
+            <a:off x="0" y="0"/>
+            <a:ext cx="2971800" cy="458788"/>
+          </a:xfrm>
+          <a:prstGeom prst="rect">
+            <a:avLst/>
+          </a:prstGeom>
+        </p:spPr>
+        <p:txBody>
+          <a:bodyPr vert="horz" lIns="91440" tIns="45720" rIns="91440" bIns="45720" rtlCol="0"/>
+          <a:lstStyle>
+            <a:lvl1pPr algn="l">
+              <a:defRPr sz="1200"/>
+            </a:lvl1pPr>
+          </a:lstStyle>
+          <a:p>
+            <a:endParaRPr lang="en-US"/>
+          </a:p>
+        </p:txBody>
+      </p:sp>
+      <p:sp>
+        <p:nvSpPr>
+          <p:cNvPr id="3" name="Date Placeholder 2"/>
+          <p:cNvSpPr>
+            <a:spLocks noGrp="1"/>
+          </p:cNvSpPr>
+          <p:nvPr>
+            <p:ph type="dt" idx="1"/>
+          </p:nvPr>
+        </p:nvSpPr>
+        <p:spPr>
+          <a:xfrm>
+            <a:off x="3884613" y="0"/>
+            <a:ext cx="2971800" cy="458788"/>
+          </a:xfrm>
+          <a:prstGeom prst="rect">
+            <a:avLst/>
+          </a:prstGeom>
+        </p:spPr>
+        <p:txBody>
+          <a:bodyPr vert="horz" lIns="91440" tIns="45720" rIns="91440" bIns="45720" rtlCol="0"/>
+          <a:lstStyle>
+            <a:lvl1pPr algn="r">
+              <a:defRPr sz="1200"/>
+            </a:lvl1pPr>
+          </a:lstStyle>
+          <a:p>
+            <a:fld id="{336BBE98-1D2A-46F9-8336-4B130FCC9D7D}" type="datetimeFigureOut">
+              <a:rPr lang="en-US" smtClean="0"/>
+              <a:t>10/9/2024</a:t>
+            </a:fld>
+            <a:endParaRPr lang="en-US"/>
+          </a:p>
+        </p:txBody>
+      </p:sp>
+      <p:sp>
+        <p:nvSpPr>
+          <p:cNvPr id="4" name="Slide Image Placeholder 3"/>
+          <p:cNvSpPr>
+            <a:spLocks noGrp="1" noRot="1" noChangeAspect="1"/>
+          </p:cNvSpPr>
+          <p:nvPr>
+            <p:ph type="sldImg" idx="2"/>
+          </p:nvPr>
+        </p:nvSpPr>
+        <p:spPr>
+          <a:xfrm>
+            <a:off x="685800" y="1143000"/>
+            <a:ext cx="5486400" cy="3086100"/>
+          </a:xfrm>
+          <a:prstGeom prst="rect">
+            <a:avLst/>
+          </a:prstGeom>
+          <a:noFill/>
+          <a:ln w="12700">
+            <a:solidFill>
+              <a:prstClr val="black"/>
+            </a:solidFill>
+          </a:ln>
+        </p:spPr>
+        <p:txBody>
+          <a:bodyPr vert="horz" lIns="91440" tIns="45720" rIns="91440" bIns="45720" rtlCol="0" anchor="ctr"/>
+          <a:lstStyle/>
+          <a:p>
+            <a:endParaRPr lang="en-US"/>
+          </a:p>
+        </p:txBody>
+      </p:sp>
+      <p:sp>
+        <p:nvSpPr>
+          <p:cNvPr id="5" name="Notes Placeholder 4"/>
+          <p:cNvSpPr>
+            <a:spLocks noGrp="1"/>
+          </p:cNvSpPr>
+          <p:nvPr>
+            <p:ph type="body" sz="quarter" idx="3"/>
+          </p:nvPr>
+        </p:nvSpPr>
+        <p:spPr>
+          <a:xfrm>
+            <a:off x="685800" y="4400550"/>
+            <a:ext cx="5486400" cy="3600450"/>
+          </a:xfrm>
+          <a:prstGeom prst="rect">
+            <a:avLst/>
+          </a:prstGeom>
+        </p:spPr>
+        <p:txBody>
+          <a:bodyPr vert="horz" lIns="91440" tIns="45720" rIns="91440" bIns="45720" rtlCol="0"/>
+          <a:lstStyle/>
+          <a:p>
+            <a:pPr lvl="0"/>
+            <a:r>
+              <a:rPr lang="en-US"/>
+              <a:t>Click to edit Master text styles</a:t>
+            </a:r>
+          </a:p>
+          <a:p>
+            <a:pPr lvl="1"/>
+            <a:r>
+              <a:rPr lang="en-US"/>
+              <a:t>Second level</a:t>
+            </a:r>
+          </a:p>
+          <a:p>
+            <a:pPr lvl="2"/>
+            <a:r>
+              <a:rPr lang="en-US"/>
+              <a:t>Third level</a:t>
+            </a:r>
+          </a:p>
+          <a:p>
+            <a:pPr lvl="3"/>
+            <a:r>
+              <a:rPr lang="en-US"/>
+              <a:t>Fourth level</a:t>
+            </a:r>
+          </a:p>
+          <a:p>
+            <a:pPr lvl="4"/>
+            <a:r>
+              <a:rPr lang="en-US"/>
+              <a:t>Fifth level</a:t>
+            </a:r>
+          </a:p>
+        </p:txBody>
+      </p:sp>
+      <p:sp>
+        <p:nvSpPr>
+          <p:cNvPr id="6" name="Footer Placeholder 5"/>
+          <p:cNvSpPr>
+            <a:spLocks noGrp="1"/>
+          </p:cNvSpPr>
+          <p:nvPr>
+            <p:ph type="ftr" sz="quarter" idx="4"/>
+          </p:nvPr>
+        </p:nvSpPr>
+        <p:spPr>
+          <a:xfrm>
+            <a:off x="0" y="8685213"/>
+            <a:ext cx="2971800" cy="458787"/>
+          </a:xfrm>
+          <a:prstGeom prst="rect">
+            <a:avLst/>
+          </a:prstGeom>
+        </p:spPr>
+        <p:txBody>
+          <a:bodyPr vert="horz" lIns="91440" tIns="45720" rIns="91440" bIns="45720" rtlCol="0" anchor="b"/>
+          <a:lstStyle>
+            <a:lvl1pPr algn="l">
+              <a:defRPr sz="1200"/>
+            </a:lvl1pPr>
+          </a:lstStyle>
+          <a:p>
+            <a:endParaRPr lang="en-US"/>
+          </a:p>
+        </p:txBody>
+      </p:sp>
+      <p:sp>
+        <p:nvSpPr>
+          <p:cNvPr id="7" name="Slide Number Placeholder 6"/>
+          <p:cNvSpPr>
+            <a:spLocks noGrp="1"/>
+          </p:cNvSpPr>
+          <p:nvPr>
+            <p:ph type="sldNum" sz="quarter" idx="5"/>
+          </p:nvPr>
+        </p:nvSpPr>
+        <p:spPr>
+          <a:xfrm>
+            <a:off x="3884613" y="8685213"/>
+            <a:ext cx="2971800" cy="458787"/>
+          </a:xfrm>
+          <a:prstGeom prst="rect">
+            <a:avLst/>
+          </a:prstGeom>
+        </p:spPr>
+        <p:txBody>
+          <a:bodyPr vert="horz" lIns="91440" tIns="45720" rIns="91440" bIns="45720" rtlCol="0" anchor="b"/>
+          <a:lstStyle>
+            <a:lvl1pPr algn="r">
+              <a:defRPr sz="1200"/>
+            </a:lvl1pPr>
+          </a:lstStyle>
+          <a:p>
+            <a:fld id="{9995A644-5106-41DF-AC9F-42FD575B5B72}" type="slidenum">
+              <a:rPr lang="en-US" smtClean="0"/>
+              <a:t>‹#›</a:t>
+            </a:fld>
+            <a:endParaRPr lang="en-US"/>
+          </a:p>
+        </p:txBody>
+      </p:sp>
+    </p:spTree>
+    <p:extLst>
+      <p:ext uri="{BB962C8B-B14F-4D97-AF65-F5344CB8AC3E}">
+        <p14:creationId xmlns:p14="http://schemas.microsoft.com/office/powerpoint/2010/main" val="1064554835"/>
+      </p:ext>
+    </p:extLst>
+  </p:cSld>
+  <p:clrMap bg1="lt1" tx1="dk1" bg2="lt2" tx2="dk2" accent1="accent1" accent2="accent2" accent3="accent3" accent4="accent4" accent5="accent5" accent6="accent6" hlink="hlink" folHlink="folHlink"/>
+  <p:notesStyle>
+    <a:lvl1pPr marL="0" algn="l" defTabSz="914400" rtl="0" eaLnBrk="1" latinLnBrk="0" hangingPunct="1">
+      <a:defRPr sz="1200" kern="1200">
+        <a:solidFill>
+          <a:schemeClr val="tx1"/>
+        </a:solidFill>
+        <a:latin typeface="+mn-lt"/>
+        <a:ea typeface="+mn-ea"/>
+        <a:cs typeface="+mn-cs"/>
+      </a:defRPr>
+    </a:lvl1pPr>
+    <a:lvl2pPr marL="457200" algn="l" defTabSz="914400" rtl="0" eaLnBrk="1" latinLnBrk="0" hangingPunct="1">
+      <a:defRPr sz="1200" kern="1200">
+        <a:solidFill>
+          <a:schemeClr val="tx1"/>
+        </a:solidFill>
+        <a:latin typeface="+mn-lt"/>
+        <a:ea typeface="+mn-ea"/>
+        <a:cs typeface="+mn-cs"/>
+      </a:defRPr>
+    </a:lvl2pPr>
+    <a:lvl3pPr marL="914400" algn="l" defTabSz="914400" rtl="0" eaLnBrk="1" latinLnBrk="0" hangingPunct="1">
+      <a:defRPr sz="1200" kern="1200">
+        <a:solidFill>
+          <a:schemeClr val="tx1"/>
+        </a:solidFill>
+        <a:latin typeface="+mn-lt"/>
+        <a:ea typeface="+mn-ea"/>
+        <a:cs typeface="+mn-cs"/>
+      </a:defRPr>
+    </a:lvl3pPr>
+    <a:lvl4pPr marL="1371600" algn="l" defTabSz="914400" rtl="0" eaLnBrk="1" latinLnBrk="0" hangingPunct="1">
+      <a:defRPr sz="1200" kern="1200">
+        <a:solidFill>
+          <a:schemeClr val="tx1"/>
+        </a:solidFill>
+        <a:latin typeface="+mn-lt"/>
+        <a:ea typeface="+mn-ea"/>
+        <a:cs typeface="+mn-cs"/>
+      </a:defRPr>
+    </a:lvl4pPr>
+    <a:lvl5pPr marL="1828800" algn="l" defTabSz="914400" rtl="0" eaLnBrk="1" latinLnBrk="0" hangingPunct="1">
+      <a:defRPr sz="1200" kern="1200">
+        <a:solidFill>
+          <a:schemeClr val="tx1"/>
+        </a:solidFill>
+        <a:latin typeface="+mn-lt"/>
+        <a:ea typeface="+mn-ea"/>
+        <a:cs typeface="+mn-cs"/>
+      </a:defRPr>
+    </a:lvl5pPr>
+    <a:lvl6pPr marL="2286000" algn="l" defTabSz="914400" rtl="0" eaLnBrk="1" latinLnBrk="0" hangingPunct="1">
+      <a:defRPr sz="1200" kern="1200">
+        <a:solidFill>
+          <a:schemeClr val="tx1"/>
+        </a:solidFill>
+        <a:latin typeface="+mn-lt"/>
+        <a:ea typeface="+mn-ea"/>
+        <a:cs typeface="+mn-cs"/>
+      </a:defRPr>
+    </a:lvl6pPr>
+    <a:lvl7pPr marL="2743200" algn="l" defTabSz="914400" rtl="0" eaLnBrk="1" latinLnBrk="0" hangingPunct="1">
+      <a:defRPr sz="1200" kern="1200">
+        <a:solidFill>
+          <a:schemeClr val="tx1"/>
+        </a:solidFill>
+        <a:latin typeface="+mn-lt"/>
+        <a:ea typeface="+mn-ea"/>
+        <a:cs typeface="+mn-cs"/>
+      </a:defRPr>
+    </a:lvl7pPr>
+    <a:lvl8pPr marL="3200400" algn="l" defTabSz="914400" rtl="0" eaLnBrk="1" latinLnBrk="0" hangingPunct="1">
+      <a:defRPr sz="1200" kern="1200">
+        <a:solidFill>
+          <a:schemeClr val="tx1"/>
+        </a:solidFill>
+        <a:latin typeface="+mn-lt"/>
+        <a:ea typeface="+mn-ea"/>
+        <a:cs typeface="+mn-cs"/>
+      </a:defRPr>
+    </a:lvl8pPr>
+    <a:lvl9pPr marL="3657600" algn="l" defTabSz="914400" rtl="0" eaLnBrk="1" latinLnBrk="0" hangingPunct="1">
+      <a:defRPr sz="1200" kern="1200">
+        <a:solidFill>
+          <a:schemeClr val="tx1"/>
+        </a:solidFill>
+        <a:latin typeface="+mn-lt"/>
+        <a:ea typeface="+mn-ea"/>
+        <a:cs typeface="+mn-cs"/>
+      </a:defRPr>
+    </a:lvl9pPr>
+  </p:notesStyle>
+</p:notesMaster>
+</file>
+
+<file path=ppt/notesSlides/notesSlide1.xml><?xml version="1.0" encoding="utf-8"?>
+<p:notes xmlns:a="http://schemas.openxmlformats.org/drawingml/2006/main" xmlns:r="http://schemas.openxmlformats.org/officeDocument/2006/relationships" xmlns:p="http://schemas.openxmlformats.org/presentationml/2006/main">
+  <p:cSld>
+    <p:spTree>
+      <p:nvGrpSpPr>
+        <p:cNvPr id="1" name=""/>
+        <p:cNvGrpSpPr/>
+        <p:nvPr/>
+      </p:nvGrpSpPr>
+      <p:grpSpPr>
+        <a:xfrm>
+          <a:off x="0" y="0"/>
+          <a:ext cx="0" cy="0"/>
+          <a:chOff x="0" y="0"/>
+          <a:chExt cx="0" cy="0"/>
+        </a:xfrm>
+      </p:grpSpPr>
+      <p:sp>
+        <p:nvSpPr>
+          <p:cNvPr id="2" name="Slide Image Placeholder 1"/>
+          <p:cNvSpPr>
+            <a:spLocks noGrp="1" noRot="1" noChangeAspect="1"/>
+          </p:cNvSpPr>
+          <p:nvPr>
+            <p:ph type="sldImg"/>
+          </p:nvPr>
+        </p:nvSpPr>
+        <p:spPr/>
+      </p:sp>
+      <p:sp>
+        <p:nvSpPr>
+          <p:cNvPr id="3" name="Notes Placeholder 2"/>
+          <p:cNvSpPr>
+            <a:spLocks noGrp="1"/>
+          </p:cNvSpPr>
+          <p:nvPr>
+            <p:ph type="body" idx="1"/>
+          </p:nvPr>
+        </p:nvSpPr>
+        <p:spPr/>
+        <p:txBody>
+          <a:bodyPr/>
+          <a:lstStyle/>
+          <a:p>
+            <a:endParaRPr lang="en-US" dirty="0"/>
+          </a:p>
+        </p:txBody>
+      </p:sp>
+      <p:sp>
+        <p:nvSpPr>
+          <p:cNvPr id="4" name="Slide Number Placeholder 3"/>
+          <p:cNvSpPr>
+            <a:spLocks noGrp="1"/>
+          </p:cNvSpPr>
+          <p:nvPr>
+            <p:ph type="sldNum" sz="quarter" idx="5"/>
+          </p:nvPr>
+        </p:nvSpPr>
+        <p:spPr/>
+        <p:txBody>
+          <a:bodyPr/>
+          <a:lstStyle/>
+          <a:p>
+            <a:fld id="{9995A644-5106-41DF-AC9F-42FD575B5B72}" type="slidenum">
+              <a:rPr lang="en-US" smtClean="0"/>
+              <a:t>8</a:t>
+            </a:fld>
+            <a:endParaRPr lang="en-US"/>
+          </a:p>
+        </p:txBody>
+      </p:sp>
+    </p:spTree>
+    <p:extLst>
+      <p:ext uri="{BB962C8B-B14F-4D97-AF65-F5344CB8AC3E}">
+        <p14:creationId xmlns:p14="http://schemas.microsoft.com/office/powerpoint/2010/main" val="1293459805"/>
+      </p:ext>
+    </p:extLst>
+  </p:cSld>
+  <p:clrMapOvr>
+    <a:masterClrMapping/>
+  </p:clrMapOvr>
+</p:notes>
 </file>
 
 <file path=ppt/slideLayouts/slideLayout1.xml><?xml version="1.0" encoding="utf-8"?>
@@ -5280,10 +5719,97 @@
       </p:grpSpPr>
       <p:pic>
         <p:nvPicPr>
-          <p:cNvPr id="5" name="Picture 4">
-            <a:extLst>
-              <a:ext uri="{FF2B5EF4-FFF2-40B4-BE49-F238E27FC236}">
-                <a16:creationId xmlns:a16="http://schemas.microsoft.com/office/drawing/2014/main" id="{835D3CE5-05C5-8277-AC54-66D2242C5F48}"/>
+          <p:cNvPr id="1028" name="Picture 4">
+            <a:extLst>
+              <a:ext uri="{FF2B5EF4-FFF2-40B4-BE49-F238E27FC236}">
+                <a16:creationId xmlns:a16="http://schemas.microsoft.com/office/drawing/2014/main" id="{FEA01516-2A23-2EBD-AA6B-5D7B6E039465}"/>
+              </a:ext>
+            </a:extLst>
+          </p:cNvPr>
+          <p:cNvPicPr>
+            <a:picLocks noChangeAspect="1" noChangeArrowheads="1"/>
+          </p:cNvPicPr>
+          <p:nvPr/>
+        </p:nvPicPr>
+        <p:blipFill rotWithShape="1">
+          <a:blip r:embed="rId2">
+            <a:extLst>
+              <a:ext uri="{28A0092B-C50C-407E-A947-70E740481C1C}">
+                <a14:useLocalDpi xmlns:a14="http://schemas.microsoft.com/office/drawing/2010/main" val="0"/>
+              </a:ext>
+            </a:extLst>
+          </a:blip>
+          <a:srcRect l="14271" t="4791" r="17357" b="2196"/>
+          <a:stretch/>
+        </p:blipFill>
+        <p:spPr bwMode="auto">
+          <a:xfrm>
+            <a:off x="558412" y="1020847"/>
+            <a:ext cx="3540375" cy="4816305"/>
+          </a:xfrm>
+          <a:prstGeom prst="rect">
+            <a:avLst/>
+          </a:prstGeom>
+          <a:noFill/>
+          <a:extLst>
+            <a:ext uri="{909E8E84-426E-40DD-AFC4-6F175D3DCCD1}">
+              <a14:hiddenFill xmlns:a14="http://schemas.microsoft.com/office/drawing/2010/main">
+                <a:solidFill>
+                  <a:srgbClr val="FFFFFF"/>
+                </a:solidFill>
+              </a14:hiddenFill>
+            </a:ext>
+          </a:extLst>
+        </p:spPr>
+      </p:pic>
+      <p:sp>
+        <p:nvSpPr>
+          <p:cNvPr id="5" name="TextBox 4">
+            <a:extLst>
+              <a:ext uri="{FF2B5EF4-FFF2-40B4-BE49-F238E27FC236}">
+                <a16:creationId xmlns:a16="http://schemas.microsoft.com/office/drawing/2014/main" id="{76246ADC-6FC6-EE07-8B8D-724C436364F1}"/>
+              </a:ext>
+            </a:extLst>
+          </p:cNvPr>
+          <p:cNvSpPr txBox="1"/>
+          <p:nvPr/>
+        </p:nvSpPr>
+        <p:spPr>
+          <a:xfrm>
+            <a:off x="1748789" y="168577"/>
+            <a:ext cx="8694421" cy="461665"/>
+          </a:xfrm>
+          <a:prstGeom prst="rect">
+            <a:avLst/>
+          </a:prstGeom>
+          <a:noFill/>
+          <a:ln>
+            <a:solidFill>
+              <a:schemeClr val="tx1"/>
+            </a:solidFill>
+          </a:ln>
+        </p:spPr>
+        <p:txBody>
+          <a:bodyPr wrap="square" rtlCol="0">
+            <a:spAutoFit/>
+          </a:bodyPr>
+          <a:lstStyle/>
+          <a:p>
+            <a:pPr algn="ctr"/>
+            <a:r>
+              <a:rPr lang="en-US" sz="2400" b="1" dirty="0"/>
+              <a:t>Copper Temperature Node</a:t>
+            </a:r>
+            <a:endParaRPr lang="en-US" sz="2400" i="1" dirty="0"/>
+          </a:p>
+        </p:txBody>
+      </p:sp>
+      <p:pic>
+        <p:nvPicPr>
+          <p:cNvPr id="3" name="Picture 2">
+            <a:extLst>
+              <a:ext uri="{FF2B5EF4-FFF2-40B4-BE49-F238E27FC236}">
+                <a16:creationId xmlns:a16="http://schemas.microsoft.com/office/drawing/2014/main" id="{EEA68CF2-402F-C73A-4B52-FB0BF700BEA2}"/>
               </a:ext>
             </a:extLst>
           </p:cNvPr>
@@ -5293,15 +5819,14 @@
           <p:nvPr/>
         </p:nvPicPr>
         <p:blipFill>
-          <a:blip r:embed="rId2"/>
-          <a:stretch>
-            <a:fillRect/>
-          </a:stretch>
+          <a:blip r:embed="rId3"/>
+          <a:srcRect l="1223" r="1138"/>
+          <a:stretch/>
         </p:blipFill>
         <p:spPr>
           <a:xfrm>
-            <a:off x="431391" y="274320"/>
-            <a:ext cx="2037790" cy="6179820"/>
+            <a:off x="4222720" y="916065"/>
+            <a:ext cx="7740990" cy="5025867"/>
           </a:xfrm>
           <a:prstGeom prst="rect">
             <a:avLst/>
@@ -5310,54 +5835,493 @@
       </p:pic>
       <p:sp>
         <p:nvSpPr>
-          <p:cNvPr id="6" name="Arrow: Right 5">
-            <a:extLst>
-              <a:ext uri="{FF2B5EF4-FFF2-40B4-BE49-F238E27FC236}">
-                <a16:creationId xmlns:a16="http://schemas.microsoft.com/office/drawing/2014/main" id="{A32AAB9E-82E5-5D11-1C89-7185CEDE05C7}"/>
-              </a:ext>
-            </a:extLst>
-          </p:cNvPr>
-          <p:cNvSpPr/>
+          <p:cNvPr id="4" name="TextBox 3">
+            <a:extLst>
+              <a:ext uri="{FF2B5EF4-FFF2-40B4-BE49-F238E27FC236}">
+                <a16:creationId xmlns:a16="http://schemas.microsoft.com/office/drawing/2014/main" id="{1355D1F0-2193-2A5C-CA60-E7F2E5B9CFAC}"/>
+              </a:ext>
+            </a:extLst>
+          </p:cNvPr>
+          <p:cNvSpPr txBox="1"/>
           <p:nvPr/>
         </p:nvSpPr>
         <p:spPr>
-          <a:xfrm flipH="1">
-            <a:off x="2225040" y="4838700"/>
-            <a:ext cx="8237220" cy="472440"/>
-          </a:xfrm>
-          <a:prstGeom prst="rightArrow">
+          <a:xfrm>
+            <a:off x="2978778" y="6027700"/>
+            <a:ext cx="6234442" cy="400110"/>
+          </a:xfrm>
+          <a:prstGeom prst="rect">
             <a:avLst/>
           </a:prstGeom>
-        </p:spPr>
-        <p:style>
-          <a:lnRef idx="2">
-            <a:schemeClr val="accent1">
-              <a:shade val="15000"/>
-            </a:schemeClr>
-          </a:lnRef>
-          <a:fillRef idx="1">
-            <a:schemeClr val="accent1"/>
-          </a:fillRef>
-          <a:effectRef idx="0">
-            <a:schemeClr val="accent1"/>
-          </a:effectRef>
-          <a:fontRef idx="minor">
-            <a:schemeClr val="lt1"/>
-          </a:fontRef>
-        </p:style>
-        <p:txBody>
-          <a:bodyPr rtlCol="0" anchor="ctr"/>
-          <a:lstStyle/>
-          <a:p>
-            <a:pPr algn="ctr"/>
-            <a:endParaRPr lang="en-US"/>
+          <a:noFill/>
+        </p:spPr>
+        <p:txBody>
+          <a:bodyPr wrap="square" rtlCol="0">
+            <a:spAutoFit/>
+          </a:bodyPr>
+          <a:lstStyle/>
+          <a:p>
+            <a:r>
+              <a:rPr lang="en-US" sz="2000" dirty="0"/>
+              <a:t>Drawings are included for reproducibility of the system</a:t>
+            </a:r>
           </a:p>
         </p:txBody>
       </p:sp>
     </p:spTree>
     <p:extLst>
       <p:ext uri="{BB962C8B-B14F-4D97-AF65-F5344CB8AC3E}">
-        <p14:creationId xmlns:p14="http://schemas.microsoft.com/office/powerpoint/2010/main" val="1665141922"/>
+        <p14:creationId xmlns:p14="http://schemas.microsoft.com/office/powerpoint/2010/main" val="2680406445"/>
+      </p:ext>
+    </p:extLst>
+  </p:cSld>
+  <p:clrMapOvr>
+    <a:masterClrMapping/>
+  </p:clrMapOvr>
+</p:sld>
+</file>
+
+<file path=ppt/slides/slide6.xml><?xml version="1.0" encoding="utf-8"?>
+<p:sld xmlns:a="http://schemas.openxmlformats.org/drawingml/2006/main" xmlns:r="http://schemas.openxmlformats.org/officeDocument/2006/relationships" xmlns:p="http://schemas.openxmlformats.org/presentationml/2006/main">
+  <p:cSld>
+    <p:bg>
+      <p:bgPr>
+        <a:solidFill>
+          <a:schemeClr val="bg1"/>
+        </a:solidFill>
+        <a:effectLst/>
+      </p:bgPr>
+    </p:bg>
+    <p:spTree>
+      <p:nvGrpSpPr>
+        <p:cNvPr id="1" name=""/>
+        <p:cNvGrpSpPr/>
+        <p:nvPr/>
+      </p:nvGrpSpPr>
+      <p:grpSpPr>
+        <a:xfrm>
+          <a:off x="0" y="0"/>
+          <a:ext cx="0" cy="0"/>
+          <a:chOff x="0" y="0"/>
+          <a:chExt cx="0" cy="0"/>
+        </a:xfrm>
+      </p:grpSpPr>
+      <p:pic>
+        <p:nvPicPr>
+          <p:cNvPr id="1026" name="Picture 2">
+            <a:extLst>
+              <a:ext uri="{FF2B5EF4-FFF2-40B4-BE49-F238E27FC236}">
+                <a16:creationId xmlns:a16="http://schemas.microsoft.com/office/drawing/2014/main" id="{5DCF0BAA-90BF-49C0-FA7E-2CC124A6D6AB}"/>
+              </a:ext>
+            </a:extLst>
+          </p:cNvPr>
+          <p:cNvPicPr>
+            <a:picLocks noChangeAspect="1" noChangeArrowheads="1"/>
+          </p:cNvPicPr>
+          <p:nvPr/>
+        </p:nvPicPr>
+        <p:blipFill rotWithShape="1">
+          <a:blip r:embed="rId2">
+            <a:extLst>
+              <a:ext uri="{28A0092B-C50C-407E-A947-70E740481C1C}">
+                <a14:useLocalDpi xmlns:a14="http://schemas.microsoft.com/office/drawing/2010/main" val="0"/>
+              </a:ext>
+            </a:extLst>
+          </a:blip>
+          <a:srcRect l="1233" t="2233" r="592"/>
+          <a:stretch/>
+        </p:blipFill>
+        <p:spPr bwMode="auto">
+          <a:xfrm>
+            <a:off x="1748789" y="741955"/>
+            <a:ext cx="8694421" cy="5065187"/>
+          </a:xfrm>
+          <a:prstGeom prst="rect">
+            <a:avLst/>
+          </a:prstGeom>
+          <a:noFill/>
+          <a:extLst>
+            <a:ext uri="{909E8E84-426E-40DD-AFC4-6F175D3DCCD1}">
+              <a14:hiddenFill xmlns:a14="http://schemas.microsoft.com/office/drawing/2010/main">
+                <a:solidFill>
+                  <a:srgbClr val="FFFFFF"/>
+                </a:solidFill>
+              </a14:hiddenFill>
+            </a:ext>
+          </a:extLst>
+        </p:spPr>
+      </p:pic>
+      <p:sp>
+        <p:nvSpPr>
+          <p:cNvPr id="4" name="TextBox 3">
+            <a:extLst>
+              <a:ext uri="{FF2B5EF4-FFF2-40B4-BE49-F238E27FC236}">
+                <a16:creationId xmlns:a16="http://schemas.microsoft.com/office/drawing/2014/main" id="{7636A2F2-0C17-1E64-580E-C456DCFECDFB}"/>
+              </a:ext>
+            </a:extLst>
+          </p:cNvPr>
+          <p:cNvSpPr txBox="1"/>
+          <p:nvPr/>
+        </p:nvSpPr>
+        <p:spPr>
+          <a:xfrm>
+            <a:off x="1748789" y="168577"/>
+            <a:ext cx="8694421" cy="461665"/>
+          </a:xfrm>
+          <a:prstGeom prst="rect">
+            <a:avLst/>
+          </a:prstGeom>
+          <a:noFill/>
+          <a:ln>
+            <a:solidFill>
+              <a:schemeClr val="tx1"/>
+            </a:solidFill>
+          </a:ln>
+        </p:spPr>
+        <p:txBody>
+          <a:bodyPr wrap="square" rtlCol="0">
+            <a:spAutoFit/>
+          </a:bodyPr>
+          <a:lstStyle/>
+          <a:p>
+            <a:pPr algn="ctr"/>
+            <a:r>
+              <a:rPr lang="en-US" sz="2400" b="1" dirty="0"/>
+              <a:t>Copper Temperature Node Files</a:t>
+            </a:r>
+            <a:endParaRPr lang="en-US" sz="2400" i="1" dirty="0"/>
+          </a:p>
+        </p:txBody>
+      </p:sp>
+      <p:sp>
+        <p:nvSpPr>
+          <p:cNvPr id="5" name="TextBox 4">
+            <a:extLst>
+              <a:ext uri="{FF2B5EF4-FFF2-40B4-BE49-F238E27FC236}">
+                <a16:creationId xmlns:a16="http://schemas.microsoft.com/office/drawing/2014/main" id="{ED1020D5-8F5A-8CAC-F239-3CDF7D538846}"/>
+              </a:ext>
+            </a:extLst>
+          </p:cNvPr>
+          <p:cNvSpPr txBox="1"/>
+          <p:nvPr/>
+        </p:nvSpPr>
+        <p:spPr>
+          <a:xfrm>
+            <a:off x="3146884" y="5904550"/>
+            <a:ext cx="5898230" cy="707886"/>
+          </a:xfrm>
+          <a:prstGeom prst="rect">
+            <a:avLst/>
+          </a:prstGeom>
+          <a:noFill/>
+        </p:spPr>
+        <p:txBody>
+          <a:bodyPr wrap="square" rtlCol="0">
+            <a:spAutoFit/>
+          </a:bodyPr>
+          <a:lstStyle/>
+          <a:p>
+            <a:r>
+              <a:rPr lang="en-US" sz="2000" dirty="0"/>
+              <a:t>It is expected that after ~ 1 minute under liquid Nitrogen that the </a:t>
+            </a:r>
+            <a:r>
+              <a:rPr lang="en-US" sz="2000" b="1" dirty="0"/>
+              <a:t>Copper Node</a:t>
+            </a:r>
+            <a:r>
+              <a:rPr lang="en-US" sz="2000" dirty="0"/>
+              <a:t> will converge to </a:t>
+            </a:r>
+            <a:r>
+              <a:rPr lang="en-US" sz="2000" b="1" dirty="0"/>
+              <a:t>77 K</a:t>
+            </a:r>
+            <a:endParaRPr lang="en-US" sz="2000" dirty="0"/>
+          </a:p>
+        </p:txBody>
+      </p:sp>
+    </p:spTree>
+    <p:extLst>
+      <p:ext uri="{BB962C8B-B14F-4D97-AF65-F5344CB8AC3E}">
+        <p14:creationId xmlns:p14="http://schemas.microsoft.com/office/powerpoint/2010/main" val="1206623252"/>
+      </p:ext>
+    </p:extLst>
+  </p:cSld>
+  <p:clrMapOvr>
+    <a:masterClrMapping/>
+  </p:clrMapOvr>
+</p:sld>
+</file>
+
+<file path=ppt/slides/slide7.xml><?xml version="1.0" encoding="utf-8"?>
+<p:sld xmlns:a="http://schemas.openxmlformats.org/drawingml/2006/main" xmlns:r="http://schemas.openxmlformats.org/officeDocument/2006/relationships" xmlns:p="http://schemas.openxmlformats.org/presentationml/2006/main">
+  <p:cSld>
+    <p:spTree>
+      <p:nvGrpSpPr>
+        <p:cNvPr id="1" name=""/>
+        <p:cNvGrpSpPr/>
+        <p:nvPr/>
+      </p:nvGrpSpPr>
+      <p:grpSpPr>
+        <a:xfrm>
+          <a:off x="0" y="0"/>
+          <a:ext cx="0" cy="0"/>
+          <a:chOff x="0" y="0"/>
+          <a:chExt cx="0" cy="0"/>
+        </a:xfrm>
+      </p:grpSpPr>
+      <p:sp>
+        <p:nvSpPr>
+          <p:cNvPr id="5" name="TextBox 4">
+            <a:extLst>
+              <a:ext uri="{FF2B5EF4-FFF2-40B4-BE49-F238E27FC236}">
+                <a16:creationId xmlns:a16="http://schemas.microsoft.com/office/drawing/2014/main" id="{76246ADC-6FC6-EE07-8B8D-724C436364F1}"/>
+              </a:ext>
+            </a:extLst>
+          </p:cNvPr>
+          <p:cNvSpPr txBox="1"/>
+          <p:nvPr/>
+        </p:nvSpPr>
+        <p:spPr>
+          <a:xfrm>
+            <a:off x="1748789" y="168577"/>
+            <a:ext cx="8694421" cy="461665"/>
+          </a:xfrm>
+          <a:prstGeom prst="rect">
+            <a:avLst/>
+          </a:prstGeom>
+          <a:noFill/>
+          <a:ln>
+            <a:solidFill>
+              <a:schemeClr val="tx1"/>
+            </a:solidFill>
+          </a:ln>
+        </p:spPr>
+        <p:txBody>
+          <a:bodyPr wrap="square" rtlCol="0">
+            <a:spAutoFit/>
+          </a:bodyPr>
+          <a:lstStyle/>
+          <a:p>
+            <a:pPr algn="ctr"/>
+            <a:r>
+              <a:rPr lang="en-US" sz="2400" b="1" dirty="0"/>
+              <a:t>PCB Card</a:t>
+            </a:r>
+            <a:endParaRPr lang="en-US" sz="2400" i="1" dirty="0"/>
+          </a:p>
+        </p:txBody>
+      </p:sp>
+      <p:pic>
+        <p:nvPicPr>
+          <p:cNvPr id="2052" name="Picture 4">
+            <a:extLst>
+              <a:ext uri="{FF2B5EF4-FFF2-40B4-BE49-F238E27FC236}">
+                <a16:creationId xmlns:a16="http://schemas.microsoft.com/office/drawing/2014/main" id="{A810E4F0-F874-D2DA-9E62-68BE11C69F55}"/>
+              </a:ext>
+            </a:extLst>
+          </p:cNvPr>
+          <p:cNvPicPr>
+            <a:picLocks noChangeAspect="1" noChangeArrowheads="1"/>
+          </p:cNvPicPr>
+          <p:nvPr/>
+        </p:nvPicPr>
+        <p:blipFill rotWithShape="1">
+          <a:blip r:embed="rId2">
+            <a:extLst>
+              <a:ext uri="{28A0092B-C50C-407E-A947-70E740481C1C}">
+                <a14:useLocalDpi xmlns:a14="http://schemas.microsoft.com/office/drawing/2010/main" val="0"/>
+              </a:ext>
+            </a:extLst>
+          </a:blip>
+          <a:srcRect l="9894" t="4064" r="4770" b="3181"/>
+          <a:stretch/>
+        </p:blipFill>
+        <p:spPr bwMode="auto">
+          <a:xfrm>
+            <a:off x="784104" y="935395"/>
+            <a:ext cx="4594405" cy="4993918"/>
+          </a:xfrm>
+          <a:prstGeom prst="rect">
+            <a:avLst/>
+          </a:prstGeom>
+          <a:noFill/>
+          <a:extLst>
+            <a:ext uri="{909E8E84-426E-40DD-AFC4-6F175D3DCCD1}">
+              <a14:hiddenFill xmlns:a14="http://schemas.microsoft.com/office/drawing/2010/main">
+                <a:solidFill>
+                  <a:srgbClr val="FFFFFF"/>
+                </a:solidFill>
+              </a14:hiddenFill>
+            </a:ext>
+          </a:extLst>
+        </p:spPr>
+      </p:pic>
+      <p:pic>
+        <p:nvPicPr>
+          <p:cNvPr id="3" name="Picture 2">
+            <a:extLst>
+              <a:ext uri="{FF2B5EF4-FFF2-40B4-BE49-F238E27FC236}">
+                <a16:creationId xmlns:a16="http://schemas.microsoft.com/office/drawing/2014/main" id="{34CC8EFA-451D-F181-B419-949171070A29}"/>
+              </a:ext>
+            </a:extLst>
+          </p:cNvPr>
+          <p:cNvPicPr>
+            <a:picLocks noChangeAspect="1"/>
+          </p:cNvPicPr>
+          <p:nvPr/>
+        </p:nvPicPr>
+        <p:blipFill>
+          <a:blip r:embed="rId3"/>
+          <a:srcRect t="-1" r="49431" b="2771"/>
+          <a:stretch/>
+        </p:blipFill>
+        <p:spPr>
+          <a:xfrm>
+            <a:off x="5758674" y="935395"/>
+            <a:ext cx="2818260" cy="4993918"/>
+          </a:xfrm>
+          <a:prstGeom prst="rect">
+            <a:avLst/>
+          </a:prstGeom>
+        </p:spPr>
+      </p:pic>
+      <p:pic>
+        <p:nvPicPr>
+          <p:cNvPr id="6" name="Picture 5">
+            <a:extLst>
+              <a:ext uri="{FF2B5EF4-FFF2-40B4-BE49-F238E27FC236}">
+                <a16:creationId xmlns:a16="http://schemas.microsoft.com/office/drawing/2014/main" id="{DF7E0A8C-B4B1-B77A-5FD2-41FD30F2DC31}"/>
+              </a:ext>
+            </a:extLst>
+          </p:cNvPr>
+          <p:cNvPicPr>
+            <a:picLocks noChangeAspect="1"/>
+          </p:cNvPicPr>
+          <p:nvPr/>
+        </p:nvPicPr>
+        <p:blipFill>
+          <a:blip r:embed="rId4"/>
+          <a:srcRect r="11363" b="2288"/>
+          <a:stretch/>
+        </p:blipFill>
+        <p:spPr>
+          <a:xfrm>
+            <a:off x="8764139" y="935394"/>
+            <a:ext cx="2818261" cy="4993918"/>
+          </a:xfrm>
+          <a:prstGeom prst="rect">
+            <a:avLst/>
+          </a:prstGeom>
+        </p:spPr>
+      </p:pic>
+      <p:sp>
+        <p:nvSpPr>
+          <p:cNvPr id="7" name="TextBox 6">
+            <a:extLst>
+              <a:ext uri="{FF2B5EF4-FFF2-40B4-BE49-F238E27FC236}">
+                <a16:creationId xmlns:a16="http://schemas.microsoft.com/office/drawing/2014/main" id="{274ED8E9-15DA-E8CD-01D7-3BEAAB7EFD98}"/>
+              </a:ext>
+            </a:extLst>
+          </p:cNvPr>
+          <p:cNvSpPr txBox="1"/>
+          <p:nvPr/>
+        </p:nvSpPr>
+        <p:spPr>
+          <a:xfrm>
+            <a:off x="1597291" y="5981537"/>
+            <a:ext cx="8997416" cy="707886"/>
+          </a:xfrm>
+          <a:prstGeom prst="rect">
+            <a:avLst/>
+          </a:prstGeom>
+          <a:noFill/>
+        </p:spPr>
+        <p:txBody>
+          <a:bodyPr wrap="square" rtlCol="0">
+            <a:spAutoFit/>
+          </a:bodyPr>
+          <a:lstStyle/>
+          <a:p>
+            <a:r>
+              <a:rPr lang="en-US" sz="2000" dirty="0"/>
+              <a:t>The Gerber Files generated are for the test of a vertical device, BUT the </a:t>
+            </a:r>
+            <a:r>
+              <a:rPr lang="en-US" sz="2000" b="1" u="sng" dirty="0" err="1"/>
+              <a:t>KiCAD</a:t>
+            </a:r>
+            <a:r>
+              <a:rPr lang="en-US" sz="2000" dirty="0"/>
+              <a:t> Files contained have been made to accommodate modifications for new devices</a:t>
+            </a:r>
+          </a:p>
+        </p:txBody>
+      </p:sp>
+    </p:spTree>
+    <p:extLst>
+      <p:ext uri="{BB962C8B-B14F-4D97-AF65-F5344CB8AC3E}">
+        <p14:creationId xmlns:p14="http://schemas.microsoft.com/office/powerpoint/2010/main" val="4089174617"/>
+      </p:ext>
+    </p:extLst>
+  </p:cSld>
+  <p:clrMapOvr>
+    <a:masterClrMapping/>
+  </p:clrMapOvr>
+</p:sld>
+</file>
+
+<file path=ppt/slides/slide8.xml><?xml version="1.0" encoding="utf-8"?>
+<p:sld xmlns:a="http://schemas.openxmlformats.org/drawingml/2006/main" xmlns:r="http://schemas.openxmlformats.org/officeDocument/2006/relationships" xmlns:p="http://schemas.openxmlformats.org/presentationml/2006/main">
+  <p:cSld>
+    <p:spTree>
+      <p:nvGrpSpPr>
+        <p:cNvPr id="1" name=""/>
+        <p:cNvGrpSpPr/>
+        <p:nvPr/>
+      </p:nvGrpSpPr>
+      <p:grpSpPr>
+        <a:xfrm>
+          <a:off x="0" y="0"/>
+          <a:ext cx="0" cy="0"/>
+          <a:chOff x="0" y="0"/>
+          <a:chExt cx="0" cy="0"/>
+        </a:xfrm>
+      </p:grpSpPr>
+      <p:pic>
+        <p:nvPicPr>
+          <p:cNvPr id="5" name="Picture 4">
+            <a:extLst>
+              <a:ext uri="{FF2B5EF4-FFF2-40B4-BE49-F238E27FC236}">
+                <a16:creationId xmlns:a16="http://schemas.microsoft.com/office/drawing/2014/main" id="{E3C4E4B3-F971-6EBE-6BFB-4C96F5F95C92}"/>
+              </a:ext>
+            </a:extLst>
+          </p:cNvPr>
+          <p:cNvPicPr>
+            <a:picLocks noChangeAspect="1"/>
+          </p:cNvPicPr>
+          <p:nvPr/>
+        </p:nvPicPr>
+        <p:blipFill>
+          <a:blip r:embed="rId3"/>
+          <a:srcRect l="1691" t="1990" r="1268" b="3554"/>
+          <a:stretch/>
+        </p:blipFill>
+        <p:spPr>
+          <a:xfrm>
+            <a:off x="0" y="0"/>
+            <a:ext cx="12192000" cy="6858000"/>
+          </a:xfrm>
+          <a:prstGeom prst="rect">
+            <a:avLst/>
+          </a:prstGeom>
+        </p:spPr>
+      </p:pic>
+    </p:spTree>
+    <p:extLst>
+      <p:ext uri="{BB962C8B-B14F-4D97-AF65-F5344CB8AC3E}">
+        <p14:creationId xmlns:p14="http://schemas.microsoft.com/office/powerpoint/2010/main" val="2066660172"/>
       </p:ext>
     </p:extLst>
   </p:cSld>
@@ -5680,4 +6644,319 @@
     </a:ext>
   </a:extLst>
 </a:theme>
+</file>
+
+<file path=ppt/theme/theme2.xml><?xml version="1.0" encoding="utf-8"?>
+<a:theme xmlns:a="http://schemas.openxmlformats.org/drawingml/2006/main" name="Office Theme">
+  <a:themeElements>
+    <a:clrScheme name="Office">
+      <a:dk1>
+        <a:sysClr val="windowText" lastClr="000000"/>
+      </a:dk1>
+      <a:lt1>
+        <a:sysClr val="window" lastClr="FFFFFF"/>
+      </a:lt1>
+      <a:dk2>
+        <a:srgbClr val="0E2841"/>
+      </a:dk2>
+      <a:lt2>
+        <a:srgbClr val="E8E8E8"/>
+      </a:lt2>
+      <a:accent1>
+        <a:srgbClr val="156082"/>
+      </a:accent1>
+      <a:accent2>
+        <a:srgbClr val="E97132"/>
+      </a:accent2>
+      <a:accent3>
+        <a:srgbClr val="196B24"/>
+      </a:accent3>
+      <a:accent4>
+        <a:srgbClr val="0F9ED5"/>
+      </a:accent4>
+      <a:accent5>
+        <a:srgbClr val="A02B93"/>
+      </a:accent5>
+      <a:accent6>
+        <a:srgbClr val="4EA72E"/>
+      </a:accent6>
+      <a:hlink>
+        <a:srgbClr val="467886"/>
+      </a:hlink>
+      <a:folHlink>
+        <a:srgbClr val="96607D"/>
+      </a:folHlink>
+    </a:clrScheme>
+    <a:fontScheme name="Office">
+      <a:majorFont>
+        <a:latin typeface="Aptos Display" panose="02110004020202020204"/>
+        <a:ea typeface=""/>
+        <a:cs typeface=""/>
+        <a:font script="Jpan" typeface="游ゴシック Light"/>
+        <a:font script="Hang" typeface="맑은 고딕"/>
+        <a:font script="Hans" typeface="等线 Light"/>
+        <a:font script="Hant" typeface="新細明體"/>
+        <a:font script="Arab" typeface="Times New Roman"/>
+        <a:font script="Hebr" typeface="Times New Roman"/>
+        <a:font script="Thai" typeface="Angsana New"/>
+        <a:font script="Ethi" typeface="Nyala"/>
+        <a:font script="Beng" typeface="Vrinda"/>
+        <a:font script="Gujr" typeface="Shruti"/>
+        <a:font script="Khmr" typeface="MoolBoran"/>
+        <a:font script="Knda" typeface="Tunga"/>
+        <a:font script="Guru" typeface="Raavi"/>
+        <a:font script="Cans" typeface="Euphemia"/>
+        <a:font script="Cher" typeface="Plantagenet Cherokee"/>
+        <a:font script="Yiii" typeface="Microsoft Yi Baiti"/>
+        <a:font script="Tibt" typeface="Microsoft Himalaya"/>
+        <a:font script="Thaa" typeface="MV Boli"/>
+        <a:font script="Deva" typeface="Mangal"/>
+        <a:font script="Telu" typeface="Gautami"/>
+        <a:font script="Taml" typeface="Latha"/>
+        <a:font script="Syrc" typeface="Estrangelo Edessa"/>
+        <a:font script="Orya" typeface="Kalinga"/>
+        <a:font script="Mlym" typeface="Kartika"/>
+        <a:font script="Laoo" typeface="DokChampa"/>
+        <a:font script="Sinh" typeface="Iskoola Pota"/>
+        <a:font script="Mong" typeface="Mongolian Baiti"/>
+        <a:font script="Viet" typeface="Times New Roman"/>
+        <a:font script="Uigh" typeface="Microsoft Uighur"/>
+        <a:font script="Geor" typeface="Sylfaen"/>
+        <a:font script="Armn" typeface="Arial"/>
+        <a:font script="Bugi" typeface="Leelawadee UI"/>
+        <a:font script="Bopo" typeface="Microsoft JhengHei"/>
+        <a:font script="Java" typeface="Javanese Text"/>
+        <a:font script="Lisu" typeface="Segoe UI"/>
+        <a:font script="Mymr" typeface="Myanmar Text"/>
+        <a:font script="Nkoo" typeface="Ebrima"/>
+        <a:font script="Olck" typeface="Nirmala UI"/>
+        <a:font script="Osma" typeface="Ebrima"/>
+        <a:font script="Phag" typeface="Phagspa"/>
+        <a:font script="Syrn" typeface="Estrangelo Edessa"/>
+        <a:font script="Syrj" typeface="Estrangelo Edessa"/>
+        <a:font script="Syre" typeface="Estrangelo Edessa"/>
+        <a:font script="Sora" typeface="Nirmala UI"/>
+        <a:font script="Tale" typeface="Microsoft Tai Le"/>
+        <a:font script="Talu" typeface="Microsoft New Tai Lue"/>
+        <a:font script="Tfng" typeface="Ebrima"/>
+      </a:majorFont>
+      <a:minorFont>
+        <a:latin typeface="Aptos" panose="02110004020202020204"/>
+        <a:ea typeface=""/>
+        <a:cs typeface=""/>
+        <a:font script="Jpan" typeface="游ゴシック"/>
+        <a:font script="Hang" typeface="맑은 고딕"/>
+        <a:font script="Hans" typeface="等线"/>
+        <a:font script="Hant" typeface="新細明體"/>
+        <a:font script="Arab" typeface="Arial"/>
+        <a:font script="Hebr" typeface="Arial"/>
+        <a:font script="Thai" typeface="Cordia New"/>
+        <a:font script="Ethi" typeface="Nyala"/>
+        <a:font script="Beng" typeface="Vrinda"/>
+        <a:font script="Gujr" typeface="Shruti"/>
+        <a:font script="Khmr" typeface="DaunPenh"/>
+        <a:font script="Knda" typeface="Tunga"/>
+        <a:font script="Guru" typeface="Raavi"/>
+        <a:font script="Cans" typeface="Euphemia"/>
+        <a:font script="Cher" typeface="Plantagenet Cherokee"/>
+        <a:font script="Yiii" typeface="Microsoft Yi Baiti"/>
+        <a:font script="Tibt" typeface="Microsoft Himalaya"/>
+        <a:font script="Thaa" typeface="MV Boli"/>
+        <a:font script="Deva" typeface="Mangal"/>
+        <a:font script="Telu" typeface="Gautami"/>
+        <a:font script="Taml" typeface="Latha"/>
+        <a:font script="Syrc" typeface="Estrangelo Edessa"/>
+        <a:font script="Orya" typeface="Kalinga"/>
+        <a:font script="Mlym" typeface="Kartika"/>
+        <a:font script="Laoo" typeface="DokChampa"/>
+        <a:font script="Sinh" typeface="Iskoola Pota"/>
+        <a:font script="Mong" typeface="Mongolian Baiti"/>
+        <a:font script="Viet" typeface="Arial"/>
+        <a:font script="Uigh" typeface="Microsoft Uighur"/>
+        <a:font script="Geor" typeface="Sylfaen"/>
+        <a:font script="Armn" typeface="Arial"/>
+        <a:font script="Bugi" typeface="Leelawadee UI"/>
+        <a:font script="Bopo" typeface="Microsoft JhengHei"/>
+        <a:font script="Java" typeface="Javanese Text"/>
+        <a:font script="Lisu" typeface="Segoe UI"/>
+        <a:font script="Mymr" typeface="Myanmar Text"/>
+        <a:font script="Nkoo" typeface="Ebrima"/>
+        <a:font script="Olck" typeface="Nirmala UI"/>
+        <a:font script="Osma" typeface="Ebrima"/>
+        <a:font script="Phag" typeface="Phagspa"/>
+        <a:font script="Syrn" typeface="Estrangelo Edessa"/>
+        <a:font script="Syrj" typeface="Estrangelo Edessa"/>
+        <a:font script="Syre" typeface="Estrangelo Edessa"/>
+        <a:font script="Sora" typeface="Nirmala UI"/>
+        <a:font script="Tale" typeface="Microsoft Tai Le"/>
+        <a:font script="Talu" typeface="Microsoft New Tai Lue"/>
+        <a:font script="Tfng" typeface="Ebrima"/>
+      </a:minorFont>
+    </a:fontScheme>
+    <a:fmtScheme name="Office">
+      <a:fillStyleLst>
+        <a:solidFill>
+          <a:schemeClr val="phClr"/>
+        </a:solidFill>
+        <a:gradFill rotWithShape="1">
+          <a:gsLst>
+            <a:gs pos="0">
+              <a:schemeClr val="phClr">
+                <a:lumMod val="110000"/>
+                <a:satMod val="105000"/>
+                <a:tint val="67000"/>
+              </a:schemeClr>
+            </a:gs>
+            <a:gs pos="50000">
+              <a:schemeClr val="phClr">
+                <a:lumMod val="105000"/>
+                <a:satMod val="103000"/>
+                <a:tint val="73000"/>
+              </a:schemeClr>
+            </a:gs>
+            <a:gs pos="100000">
+              <a:schemeClr val="phClr">
+                <a:lumMod val="105000"/>
+                <a:satMod val="109000"/>
+                <a:tint val="81000"/>
+              </a:schemeClr>
+            </a:gs>
+          </a:gsLst>
+          <a:lin ang="5400000" scaled="0"/>
+        </a:gradFill>
+        <a:gradFill rotWithShape="1">
+          <a:gsLst>
+            <a:gs pos="0">
+              <a:schemeClr val="phClr">
+                <a:satMod val="103000"/>
+                <a:lumMod val="102000"/>
+                <a:tint val="94000"/>
+              </a:schemeClr>
+            </a:gs>
+            <a:gs pos="50000">
+              <a:schemeClr val="phClr">
+                <a:satMod val="110000"/>
+                <a:lumMod val="100000"/>
+                <a:shade val="100000"/>
+              </a:schemeClr>
+            </a:gs>
+            <a:gs pos="100000">
+              <a:schemeClr val="phClr">
+                <a:lumMod val="99000"/>
+                <a:satMod val="120000"/>
+                <a:shade val="78000"/>
+              </a:schemeClr>
+            </a:gs>
+          </a:gsLst>
+          <a:lin ang="5400000" scaled="0"/>
+        </a:gradFill>
+      </a:fillStyleLst>
+      <a:lnStyleLst>
+        <a:ln w="12700" cap="flat" cmpd="sng" algn="ctr">
+          <a:solidFill>
+            <a:schemeClr val="phClr"/>
+          </a:solidFill>
+          <a:prstDash val="solid"/>
+          <a:miter lim="800000"/>
+        </a:ln>
+        <a:ln w="19050" cap="flat" cmpd="sng" algn="ctr">
+          <a:solidFill>
+            <a:schemeClr val="phClr"/>
+          </a:solidFill>
+          <a:prstDash val="solid"/>
+          <a:miter lim="800000"/>
+        </a:ln>
+        <a:ln w="25400" cap="flat" cmpd="sng" algn="ctr">
+          <a:solidFill>
+            <a:schemeClr val="phClr"/>
+          </a:solidFill>
+          <a:prstDash val="solid"/>
+          <a:miter lim="800000"/>
+        </a:ln>
+      </a:lnStyleLst>
+      <a:effectStyleLst>
+        <a:effectStyle>
+          <a:effectLst/>
+        </a:effectStyle>
+        <a:effectStyle>
+          <a:effectLst/>
+        </a:effectStyle>
+        <a:effectStyle>
+          <a:effectLst>
+            <a:outerShdw blurRad="57150" dist="19050" dir="5400000" algn="ctr" rotWithShape="0">
+              <a:srgbClr val="000000">
+                <a:alpha val="63000"/>
+              </a:srgbClr>
+            </a:outerShdw>
+          </a:effectLst>
+        </a:effectStyle>
+      </a:effectStyleLst>
+      <a:bgFillStyleLst>
+        <a:solidFill>
+          <a:schemeClr val="phClr"/>
+        </a:solidFill>
+        <a:solidFill>
+          <a:schemeClr val="phClr">
+            <a:tint val="95000"/>
+            <a:satMod val="170000"/>
+          </a:schemeClr>
+        </a:solidFill>
+        <a:gradFill rotWithShape="1">
+          <a:gsLst>
+            <a:gs pos="0">
+              <a:schemeClr val="phClr">
+                <a:tint val="93000"/>
+                <a:satMod val="150000"/>
+                <a:shade val="98000"/>
+                <a:lumMod val="102000"/>
+              </a:schemeClr>
+            </a:gs>
+            <a:gs pos="50000">
+              <a:schemeClr val="phClr">
+                <a:tint val="98000"/>
+                <a:satMod val="130000"/>
+                <a:shade val="90000"/>
+                <a:lumMod val="103000"/>
+              </a:schemeClr>
+            </a:gs>
+            <a:gs pos="100000">
+              <a:schemeClr val="phClr">
+                <a:shade val="63000"/>
+                <a:satMod val="120000"/>
+              </a:schemeClr>
+            </a:gs>
+          </a:gsLst>
+          <a:lin ang="5400000" scaled="0"/>
+        </a:gradFill>
+      </a:bgFillStyleLst>
+    </a:fmtScheme>
+  </a:themeElements>
+  <a:objectDefaults>
+    <a:lnDef>
+      <a:spPr/>
+      <a:bodyPr/>
+      <a:lstStyle/>
+      <a:style>
+        <a:lnRef idx="2">
+          <a:schemeClr val="accent1"/>
+        </a:lnRef>
+        <a:fillRef idx="0">
+          <a:schemeClr val="accent1"/>
+        </a:fillRef>
+        <a:effectRef idx="1">
+          <a:schemeClr val="accent1"/>
+        </a:effectRef>
+        <a:fontRef idx="minor">
+          <a:schemeClr val="tx1"/>
+        </a:fontRef>
+      </a:style>
+    </a:lnDef>
+  </a:objectDefaults>
+  <a:extraClrSchemeLst/>
+  <a:extLst>
+    <a:ext uri="{05A4C25C-085E-4340-85A3-A5531E510DB2}">
+      <thm15:themeFamily xmlns:thm15="http://schemas.microsoft.com/office/thememl/2012/main" name="Office Theme" id="{2E142A2C-CD16-42D6-873A-C26D2A0506FA}" vid="{1BDDFF52-6CD6-40A5-AB3C-68EB2F1E4D0A}"/>
+    </a:ext>
+  </a:extLst>
+</a:theme>
 </file>
--- a/z.ReadMeAssets/TemperatureTestingStand.pptx
+++ b/z.ReadMeAssets/TemperatureTestingStand.pptx
@@ -5,7 +5,7 @@
     <p:sldMasterId id="2147483648" r:id="rId1"/>
   </p:sldMasterIdLst>
   <p:notesMasterIdLst>
-    <p:notesMasterId r:id="rId10"/>
+    <p:notesMasterId r:id="rId12"/>
   </p:notesMasterIdLst>
   <p:sldIdLst>
     <p:sldId id="256" r:id="rId2"/>
@@ -16,6 +16,8 @@
     <p:sldId id="265" r:id="rId7"/>
     <p:sldId id="264" r:id="rId8"/>
     <p:sldId id="262" r:id="rId9"/>
+    <p:sldId id="266" r:id="rId10"/>
+    <p:sldId id="267" r:id="rId11"/>
   </p:sldIdLst>
   <p:sldSz cx="12192000" cy="6858000"/>
   <p:notesSz cx="6858000" cy="9144000"/>
@@ -4097,6 +4099,497 @@
     <p:extLst>
       <p:ext uri="{BB962C8B-B14F-4D97-AF65-F5344CB8AC3E}">
         <p14:creationId xmlns:p14="http://schemas.microsoft.com/office/powerpoint/2010/main" val="1462115781"/>
+      </p:ext>
+    </p:extLst>
+  </p:cSld>
+  <p:clrMapOvr>
+    <a:masterClrMapping/>
+  </p:clrMapOvr>
+</p:sld>
+</file>
+
+<file path=ppt/slides/slide10.xml><?xml version="1.0" encoding="utf-8"?>
+<p:sld xmlns:a="http://schemas.openxmlformats.org/drawingml/2006/main" xmlns:r="http://schemas.openxmlformats.org/officeDocument/2006/relationships" xmlns:p="http://schemas.openxmlformats.org/presentationml/2006/main">
+  <p:cSld>
+    <p:spTree>
+      <p:nvGrpSpPr>
+        <p:cNvPr id="1" name=""/>
+        <p:cNvGrpSpPr/>
+        <p:nvPr/>
+      </p:nvGrpSpPr>
+      <p:grpSpPr>
+        <a:xfrm>
+          <a:off x="0" y="0"/>
+          <a:ext cx="0" cy="0"/>
+          <a:chOff x="0" y="0"/>
+          <a:chExt cx="0" cy="0"/>
+        </a:xfrm>
+      </p:grpSpPr>
+      <p:grpSp>
+        <p:nvGrpSpPr>
+          <p:cNvPr id="18" name="Group 17">
+            <a:extLst>
+              <a:ext uri="{FF2B5EF4-FFF2-40B4-BE49-F238E27FC236}">
+                <a16:creationId xmlns:a16="http://schemas.microsoft.com/office/drawing/2014/main" id="{DC586929-9635-599F-76FE-9E357D85E62D}"/>
+              </a:ext>
+            </a:extLst>
+          </p:cNvPr>
+          <p:cNvGrpSpPr/>
+          <p:nvPr/>
+        </p:nvGrpSpPr>
+        <p:grpSpPr>
+          <a:xfrm>
+            <a:off x="6096000" y="-45719"/>
+            <a:ext cx="6096000" cy="6903720"/>
+            <a:chOff x="6887773" y="300267"/>
+            <a:chExt cx="4066326" cy="4947747"/>
+          </a:xfrm>
+        </p:grpSpPr>
+        <p:pic>
+          <p:nvPicPr>
+            <p:cNvPr id="17" name="Picture 16">
+              <a:extLst>
+                <a:ext uri="{FF2B5EF4-FFF2-40B4-BE49-F238E27FC236}">
+                  <a16:creationId xmlns:a16="http://schemas.microsoft.com/office/drawing/2014/main" id="{2143D13A-0958-CEBE-1536-6382B7B4E4ED}"/>
+                </a:ext>
+              </a:extLst>
+            </p:cNvPr>
+            <p:cNvPicPr>
+              <a:picLocks noChangeAspect="1"/>
+            </p:cNvPicPr>
+            <p:nvPr/>
+          </p:nvPicPr>
+          <p:blipFill>
+            <a:blip r:embed="rId2"/>
+            <a:srcRect b="1540"/>
+            <a:stretch/>
+          </p:blipFill>
+          <p:spPr>
+            <a:xfrm>
+              <a:off x="6887773" y="307411"/>
+              <a:ext cx="4066326" cy="4940603"/>
+            </a:xfrm>
+            <a:prstGeom prst="rect">
+              <a:avLst/>
+            </a:prstGeom>
+          </p:spPr>
+        </p:pic>
+        <p:pic>
+          <p:nvPicPr>
+            <p:cNvPr id="13" name="Picture 12">
+              <a:extLst>
+                <a:ext uri="{FF2B5EF4-FFF2-40B4-BE49-F238E27FC236}">
+                  <a16:creationId xmlns:a16="http://schemas.microsoft.com/office/drawing/2014/main" id="{13F39045-50EA-5CF8-9084-311421D98D04}"/>
+                </a:ext>
+              </a:extLst>
+            </p:cNvPr>
+            <p:cNvPicPr>
+              <a:picLocks noChangeAspect="1"/>
+            </p:cNvPicPr>
+            <p:nvPr/>
+          </p:nvPicPr>
+          <p:blipFill>
+            <a:blip r:embed="rId3">
+              <a:extLst>
+                <a:ext uri="{BEBA8EAE-BF5A-486C-A8C5-ECC9F3942E4B}">
+                  <a14:imgProps xmlns:a14="http://schemas.microsoft.com/office/drawing/2010/main">
+                    <a14:imgLayer r:embed="rId4">
+                      <a14:imgEffect>
+                        <a14:backgroundRemoval t="7768" b="92143" l="3643" r="92077">
+                          <a14:foregroundMark x1="10291" y1="38750" x2="25137" y2="19911"/>
+                          <a14:foregroundMark x1="25137" y1="19911" x2="53097" y2="8571"/>
+                          <a14:foregroundMark x1="53097" y1="8571" x2="69308" y2="14911"/>
+                          <a14:foregroundMark x1="46721" y1="7857" x2="20765" y2="16161"/>
+                          <a14:foregroundMark x1="20765" y1="16161" x2="19763" y2="16875"/>
+                          <a14:foregroundMark x1="29508" y1="14107" x2="13278" y2="23721"/>
+                          <a14:foregroundMark x1="6439" y1="36950" x2="4372" y2="53839"/>
+                          <a14:foregroundMark x1="14117" y1="25179" x2="25956" y2="17411"/>
+                          <a14:foregroundMark x1="7741" y1="49107" x2="16029" y2="66518"/>
+                          <a14:foregroundMark x1="16029" y1="66518" x2="15665" y2="67143"/>
+                          <a14:foregroundMark x1="8015" y1="52321" x2="16485" y2="73750"/>
+                          <a14:foregroundMark x1="16485" y1="73750" x2="15938" y2="73214"/>
+                          <a14:foregroundMark x1="7195" y1="60357" x2="27687" y2="86964"/>
+                          <a14:foregroundMark x1="27687" y1="86964" x2="48998" y2="92321"/>
+                          <a14:foregroundMark x1="34882" y1="88571" x2="62113" y2="90089"/>
+                          <a14:foregroundMark x1="77960" y1="79286" x2="87978" y2="53929"/>
+                          <a14:foregroundMark x1="87978" y1="53929" x2="86430" y2="41786"/>
+                          <a14:foregroundMark x1="88798" y1="52857" x2="83515" y2="29464"/>
+                          <a14:foregroundMark x1="83515" y1="29464" x2="83151" y2="29464"/>
+                          <a14:foregroundMark x1="92077" y1="53571" x2="90528" y2="47321"/>
+                          <a14:foregroundMark x1="14663" y1="25179" x2="8015" y2="43571"/>
+                          <a14:foregroundMark x1="12113" y1="29196" x2="6193" y2="43839"/>
+                          <a14:foregroundMark x1="5647" y1="43304" x2="12386" y2="25982"/>
+                          <a14:foregroundMark x1="11566" y1="25714" x2="3643" y2="46607"/>
+                          <a14:backgroundMark x1="6740" y1="30446" x2="8288" y2="21964"/>
+                          <a14:backgroundMark x1="10018" y1="24732" x2="7468" y2="28214"/>
+                          <a14:backgroundMark x1="9745" y1="24464" x2="5920" y2="31696"/>
+                          <a14:backgroundMark x1="8865" y1="28480" x2="7013" y2="31250"/>
+                          <a14:backgroundMark x1="12386" y1="23214" x2="10875" y2="25473"/>
+                          <a14:backgroundMark x1="9884" y1="25794" x2="7013" y2="30268"/>
+                          <a14:backgroundMark x1="10565" y1="24732" x2="10233" y2="25249"/>
+                          <a14:backgroundMark x1="7468" y1="28482" x2="5647" y2="36786"/>
+                          <a14:backgroundMark x1="3370" y1="48839" x2="3916" y2="44018"/>
+                        </a14:backgroundRemoval>
+                      </a14:imgEffect>
+                    </a14:imgLayer>
+                  </a14:imgProps>
+                </a:ext>
+              </a:extLst>
+            </a:blip>
+            <a:srcRect l="3123" t="4072" r="4058" b="6123"/>
+            <a:stretch/>
+          </p:blipFill>
+          <p:spPr>
+            <a:xfrm>
+              <a:off x="7518103" y="1453448"/>
+              <a:ext cx="2905099" cy="2867091"/>
+            </a:xfrm>
+            <a:prstGeom prst="rect">
+              <a:avLst/>
+            </a:prstGeom>
+          </p:spPr>
+        </p:pic>
+        <p:pic>
+          <p:nvPicPr>
+            <p:cNvPr id="15" name="Picture 14">
+              <a:extLst>
+                <a:ext uri="{FF2B5EF4-FFF2-40B4-BE49-F238E27FC236}">
+                  <a16:creationId xmlns:a16="http://schemas.microsoft.com/office/drawing/2014/main" id="{2F45E5E1-4C7B-D890-DF5D-FCEF0B46A644}"/>
+                </a:ext>
+              </a:extLst>
+            </p:cNvPr>
+            <p:cNvPicPr>
+              <a:picLocks noChangeAspect="1"/>
+            </p:cNvPicPr>
+            <p:nvPr/>
+          </p:nvPicPr>
+          <p:blipFill>
+            <a:blip r:embed="rId5">
+              <a:alphaModFix amt="70000"/>
+              <a:extLst>
+                <a:ext uri="{BEBA8EAE-BF5A-486C-A8C5-ECC9F3942E4B}">
+                  <a14:imgProps xmlns:a14="http://schemas.microsoft.com/office/drawing/2010/main">
+                    <a14:imgLayer r:embed="rId6">
+                      <a14:imgEffect>
+                        <a14:backgroundRemoval t="2646" b="96472" l="2449" r="97415">
+                          <a14:foregroundMark x1="12109" y1="43881" x2="6939" y2="18633"/>
+                          <a14:foregroundMark x1="6939" y1="18633" x2="23401" y2="14002"/>
+                          <a14:foregroundMark x1="23401" y1="14002" x2="48299" y2="12900"/>
+                          <a14:foregroundMark x1="48299" y1="12900" x2="74150" y2="16759"/>
+                          <a14:foregroundMark x1="74150" y1="16759" x2="90612" y2="30761"/>
+                          <a14:foregroundMark x1="90612" y1="30761" x2="96327" y2="48732"/>
+                          <a14:foregroundMark x1="96327" y1="48732" x2="93061" y2="80816"/>
+                          <a14:foregroundMark x1="93061" y1="80816" x2="85850" y2="89967"/>
+                          <a14:foregroundMark x1="77024" y1="90397" x2="36054" y2="92393"/>
+                          <a14:foregroundMark x1="85850" y1="89967" x2="77069" y2="90395"/>
+                          <a14:foregroundMark x1="23624" y1="88377" x2="15238" y2="85667"/>
+                          <a14:foregroundMark x1="36054" y1="92393" x2="25321" y2="88925"/>
+                          <a14:foregroundMark x1="15238" y1="85667" x2="5916" y2="67347"/>
+                          <a14:foregroundMark x1="5566" y1="34589" x2="6122" y2="27453"/>
+                          <a14:foregroundMark x1="23673" y1="12679" x2="47211" y2="8600"/>
+                          <a14:foregroundMark x1="47211" y1="8600" x2="57143" y2="9372"/>
+                          <a14:foregroundMark x1="45850" y1="7277" x2="63247" y2="7277"/>
+                          <a14:foregroundMark x1="65975" y1="8117" x2="69796" y2="9813"/>
+                          <a14:foregroundMark x1="66139" y1="8439" x2="81905" y2="21389"/>
+                          <a14:foregroundMark x1="62041" y1="5072" x2="62155" y2="5166"/>
+                          <a14:foregroundMark x1="80000" y1="11136" x2="89932" y2="27453"/>
+                          <a14:foregroundMark x1="89932" y1="27453" x2="89932" y2="27453"/>
+                          <a14:foregroundMark x1="84762" y1="12128" x2="97551" y2="35943"/>
+                          <a14:foregroundMark x1="97551" y1="35943" x2="95646" y2="37596"/>
+                          <a14:foregroundMark x1="94286" y1="22492" x2="91293" y2="58655"/>
+                          <a14:foregroundMark x1="91293" y1="58655" x2="91156" y2="58875"/>
+                          <a14:foregroundMark x1="85850" y1="39802" x2="83129" y2="65160"/>
+                          <a14:foregroundMark x1="83129" y1="65160" x2="83129" y2="64719"/>
+                          <a14:foregroundMark x1="88027" y1="32194" x2="87211" y2="70893"/>
+                          <a14:foregroundMark x1="86803" y1="71114" x2="83810" y2="83462"/>
+                          <a14:foregroundMark x1="94558" y1="74642" x2="91837" y2="85006"/>
+                          <a14:foregroundMark x1="93197" y1="81036" x2="88707" y2="91951"/>
+                          <a14:foregroundMark x1="88707" y1="91951" x2="88571" y2="92062"/>
+                          <a14:foregroundMark x1="95374" y1="85226" x2="83401" y2="96582"/>
+                          <a14:foregroundMark x1="83401" y1="96582" x2="82857" y2="96251"/>
+                          <a14:foregroundMark x1="84082" y1="91731" x2="43673" y2="91621"/>
+                          <a14:foregroundMark x1="43673" y1="91621" x2="42449" y2="91180"/>
+                          <a14:foregroundMark x1="50404" y1="88052" x2="32381" y2="81036"/>
+                          <a14:foregroundMark x1="60136" y1="91841" x2="50861" y2="88230"/>
+                          <a14:foregroundMark x1="78231" y1="91180" x2="79592" y2="81808"/>
+                          <a14:foregroundMark x1="51565" y1="17641" x2="44490" y2="11246"/>
+                          <a14:foregroundMark x1="34286" y1="18412" x2="20272" y2="15766"/>
+                          <a14:foregroundMark x1="88163" y1="85777" x2="92517" y2="72216"/>
+                          <a14:foregroundMark x1="90748" y1="83903" x2="85306" y2="75083"/>
+                          <a14:foregroundMark x1="85306" y1="85226" x2="86395" y2="72878"/>
+                          <a14:foregroundMark x1="44898" y1="92723" x2="19864" y2="91731"/>
+                          <a14:foregroundMark x1="27483" y1="94267" x2="16871" y2="88754"/>
+                          <a14:foregroundMark x1="16871" y1="88754" x2="7755" y2="79934"/>
+                          <a14:foregroundMark x1="7755" y1="79934" x2="6939" y2="77729"/>
+                          <a14:foregroundMark x1="31020" y1="91069" x2="21361" y2="86439"/>
+                          <a14:foregroundMark x1="51701" y1="91290" x2="48027" y2="85888"/>
+                          <a14:foregroundMark x1="55782" y1="91069" x2="47891" y2="88093"/>
+                          <a14:foregroundMark x1="52789" y1="90518" x2="47619" y2="87652"/>
+                          <a14:foregroundMark x1="79184" y1="91180" x2="77143" y2="85667"/>
+                          <a14:foregroundMark x1="77687" y1="90298" x2="73878" y2="86329"/>
+                          <a14:foregroundMark x1="77007" y1="90849" x2="76327" y2="85336"/>
+                          <a14:foregroundMark x1="75918" y1="91841" x2="75918" y2="84454"/>
+                          <a14:foregroundMark x1="8844" y1="68798" x2="8299" y2="54245"/>
+                          <a14:foregroundMark x1="8299" y1="54245" x2="8299" y2="54245"/>
+                          <a14:foregroundMark x1="6259" y1="72988" x2="6803" y2="61080"/>
+                          <a14:foregroundMark x1="6939" y1="71885" x2="4218" y2="60970"/>
+                          <a14:foregroundMark x1="4354" y1="73208" x2="5306" y2="61852"/>
+                          <a14:foregroundMark x1="5306" y1="68026" x2="6531" y2="33738"/>
+                          <a14:foregroundMark x1="4082" y1="75524" x2="4082" y2="34399"/>
+                          <a14:foregroundMark x1="4082" y1="34399" x2="4082" y2="34399"/>
+                          <a14:foregroundMark x1="5170" y1="67806" x2="4626" y2="77508"/>
+                          <a14:foregroundMark x1="4626" y1="77508" x2="3537" y2="21720"/>
+                          <a14:foregroundMark x1="3500" y1="63468" x2="4082" y2="23484"/>
+                          <a14:foregroundMark x1="3401" y1="70232" x2="3403" y2="70079"/>
+                          <a14:foregroundMark x1="3401" y1="68798" x2="3946" y2="28556"/>
+                          <a14:foregroundMark x1="62721" y1="8159" x2="67483" y2="7277"/>
+                          <a14:foregroundMark x1="61905" y1="6174" x2="62041" y2="2646"/>
+                          <a14:foregroundMark x1="61497" y1="6284" x2="61633" y2="4410"/>
+                          <a14:foregroundMark x1="62177" y1="5513" x2="62041" y2="3528"/>
+                          <a14:foregroundMark x1="4898" y1="68908" x2="4626" y2="45755"/>
+                          <a14:foregroundMark x1="3537" y1="66924" x2="3810" y2="57552"/>
+                          <a14:foregroundMark x1="3810" y1="57552" x2="3810" y2="57552"/>
+                          <a14:foregroundMark x1="3673" y1="67365" x2="3673" y2="62734"/>
+                          <a14:foregroundMark x1="3810" y1="66703" x2="3537" y2="60529"/>
+                          <a14:foregroundMark x1="3537" y1="67475" x2="3810" y2="64498"/>
+                          <a14:foregroundMark x1="3537" y1="68247" x2="3810" y2="64719"/>
+                          <a14:foregroundMark x1="3401" y1="68026" x2="3537" y2="60529"/>
+                          <a14:foregroundMark x1="3673" y1="61742" x2="3537" y2="53363"/>
+                          <a14:foregroundMark x1="2993" y1="58655" x2="4898" y2="43330"/>
+                          <a14:foregroundMark x1="4082" y1="54796" x2="4490" y2="41566"/>
+                          <a14:foregroundMark x1="4354" y1="51819" x2="4082" y2="41235"/>
+                          <a14:backgroundMark x1="3586" y1="66142" x2="3607" y2="67749"/>
+                          <a14:backgroundMark x1="3499" y1="59299" x2="3514" y2="60470"/>
+                          <a14:backgroundMark x1="3491" y1="58687" x2="3498" y2="59255"/>
+                          <a14:backgroundMark x1="3476" y1="57552" x2="3475" y2="57468"/>
+                          <a14:backgroundMark x1="3461" y1="56365" x2="3476" y2="57552"/>
+                          <a14:backgroundMark x1="3179" y1="34399" x2="3438" y2="54554"/>
+                          <a14:backgroundMark x1="2993" y1="19846" x2="3179" y2="34399"/>
+                          <a14:backgroundMark x1="3408" y1="23140" x2="3401" y2="21830"/>
+                          <a14:backgroundMark x1="3468" y1="34399" x2="3419" y2="25164"/>
+                          <a14:backgroundMark x1="3497" y1="39754" x2="3468" y2="34399"/>
+                          <a14:backgroundMark x1="3552" y1="50121" x2="3526" y2="45294"/>
+                          <a14:backgroundMark x1="3592" y1="57552" x2="3590" y2="57184"/>
+                          <a14:backgroundMark x1="3602" y1="59502" x2="3592" y2="57552"/>
+                          <a14:backgroundMark x1="3618" y1="62594" x2="3603" y2="59716"/>
+                          <a14:backgroundMark x1="3646" y1="67750" x2="3644" y2="67289"/>
+                          <a14:backgroundMark x1="2961" y1="59489" x2="2993" y2="56781"/>
+                          <a14:backgroundMark x1="3254" y1="34399" x2="3047" y2="52120"/>
+                          <a14:backgroundMark x1="3401" y1="21830" x2="3254" y2="34399"/>
+                          <a14:backgroundMark x1="2993" y1="56781" x2="408" y2="32966"/>
+                          <a14:backgroundMark x1="408" y1="32966" x2="1905" y2="40573"/>
+                          <a14:backgroundMark x1="48435" y1="65160" x2="43946" y2="53142"/>
+                          <a14:backgroundMark x1="43946" y1="53142" x2="44626" y2="44432"/>
+                          <a14:backgroundMark x1="2710" y1="57552" x2="2721" y2="56340"/>
+                          <a14:backgroundMark x1="2585" y1="70893" x2="2710" y2="57552"/>
+                          <a14:backgroundMark x1="3220" y1="65220" x2="3265" y2="64057"/>
+                          <a14:backgroundMark x1="3178" y1="66294" x2="3170" y2="66514"/>
+                          <a14:backgroundMark x1="2993" y1="71114" x2="3057" y2="69445"/>
+                          <a14:backgroundMark x1="63573" y1="6572" x2="63401" y2="5733"/>
+                          <a14:backgroundMark x1="64389" y1="6421" x2="62585" y2="4520"/>
+                          <a14:backgroundMark x1="64513" y1="6398" x2="62993" y2="4079"/>
+                          <a14:backgroundMark x1="62233" y1="4447" x2="62313" y2="4520"/>
+                          <a14:backgroundMark x1="64404" y1="6418" x2="62216" y2="4432"/>
+                          <a14:backgroundMark x1="64466" y1="6406" x2="63673" y2="3197"/>
+                          <a14:backgroundMark x1="62857" y1="6284" x2="62857" y2="441"/>
+                          <a14:backgroundMark x1="62771" y1="5555" x2="62177" y2="4741"/>
+                          <a14:backgroundMark x1="63946" y1="7166" x2="62948" y2="5799"/>
+                        </a14:backgroundRemoval>
+                      </a14:imgEffect>
+                    </a14:imgLayer>
+                  </a14:imgProps>
+                </a:ext>
+              </a:extLst>
+            </a:blip>
+            <a:srcRect l="39" r="11887" b="10314"/>
+            <a:stretch/>
+          </p:blipFill>
+          <p:spPr>
+            <a:xfrm>
+              <a:off x="6887773" y="300267"/>
+              <a:ext cx="3589727" cy="4510860"/>
+            </a:xfrm>
+            <a:prstGeom prst="rect">
+              <a:avLst/>
+            </a:prstGeom>
+          </p:spPr>
+        </p:pic>
+      </p:grpSp>
+      <p:grpSp>
+        <p:nvGrpSpPr>
+          <p:cNvPr id="24" name="Group 23">
+            <a:extLst>
+              <a:ext uri="{FF2B5EF4-FFF2-40B4-BE49-F238E27FC236}">
+                <a16:creationId xmlns:a16="http://schemas.microsoft.com/office/drawing/2014/main" id="{95CF5F97-0F6E-40AD-F08B-28DDDF501CF8}"/>
+              </a:ext>
+            </a:extLst>
+          </p:cNvPr>
+          <p:cNvGrpSpPr/>
+          <p:nvPr/>
+        </p:nvGrpSpPr>
+        <p:grpSpPr>
+          <a:xfrm>
+            <a:off x="0" y="-37156"/>
+            <a:ext cx="6096000" cy="6904898"/>
+            <a:chOff x="6096000" y="176057"/>
+            <a:chExt cx="2512070" cy="3026186"/>
+          </a:xfrm>
+        </p:grpSpPr>
+        <p:pic>
+          <p:nvPicPr>
+            <p:cNvPr id="23" name="Picture 22">
+              <a:extLst>
+                <a:ext uri="{FF2B5EF4-FFF2-40B4-BE49-F238E27FC236}">
+                  <a16:creationId xmlns:a16="http://schemas.microsoft.com/office/drawing/2014/main" id="{659EDFBD-F6B0-E924-D9AF-B8E15C6F4FF0}"/>
+                </a:ext>
+              </a:extLst>
+            </p:cNvPr>
+            <p:cNvPicPr>
+              <a:picLocks noChangeAspect="1"/>
+            </p:cNvPicPr>
+            <p:nvPr/>
+          </p:nvPicPr>
+          <p:blipFill>
+            <a:blip r:embed="rId7"/>
+            <a:srcRect t="466" b="1"/>
+            <a:stretch/>
+          </p:blipFill>
+          <p:spPr>
+            <a:xfrm>
+              <a:off x="6096000" y="176057"/>
+              <a:ext cx="2512070" cy="3026186"/>
+            </a:xfrm>
+            <a:prstGeom prst="rect">
+              <a:avLst/>
+            </a:prstGeom>
+          </p:spPr>
+        </p:pic>
+        <p:pic>
+          <p:nvPicPr>
+            <p:cNvPr id="20" name="Picture 19">
+              <a:extLst>
+                <a:ext uri="{FF2B5EF4-FFF2-40B4-BE49-F238E27FC236}">
+                  <a16:creationId xmlns:a16="http://schemas.microsoft.com/office/drawing/2014/main" id="{776B95E5-B9D4-05BF-C025-8B7BC2A4808B}"/>
+                </a:ext>
+              </a:extLst>
+            </p:cNvPr>
+            <p:cNvPicPr>
+              <a:picLocks noChangeAspect="1"/>
+            </p:cNvPicPr>
+            <p:nvPr/>
+          </p:nvPicPr>
+          <p:blipFill>
+            <a:blip r:embed="rId3">
+              <a:extLst>
+                <a:ext uri="{BEBA8EAE-BF5A-486C-A8C5-ECC9F3942E4B}">
+                  <a14:imgProps xmlns:a14="http://schemas.microsoft.com/office/drawing/2010/main">
+                    <a14:imgLayer r:embed="rId4">
+                      <a14:imgEffect>
+                        <a14:backgroundRemoval t="7768" b="92143" l="3643" r="92077">
+                          <a14:foregroundMark x1="10291" y1="38750" x2="25137" y2="19911"/>
+                          <a14:foregroundMark x1="25137" y1="19911" x2="53097" y2="8571"/>
+                          <a14:foregroundMark x1="53097" y1="8571" x2="69308" y2="14911"/>
+                          <a14:foregroundMark x1="46721" y1="7857" x2="20765" y2="16161"/>
+                          <a14:foregroundMark x1="20765" y1="16161" x2="19763" y2="16875"/>
+                          <a14:foregroundMark x1="29508" y1="14107" x2="13278" y2="23721"/>
+                          <a14:foregroundMark x1="6439" y1="36950" x2="4372" y2="53839"/>
+                          <a14:foregroundMark x1="14117" y1="25179" x2="25956" y2="17411"/>
+                          <a14:foregroundMark x1="7741" y1="49107" x2="16029" y2="66518"/>
+                          <a14:foregroundMark x1="16029" y1="66518" x2="15665" y2="67143"/>
+                          <a14:foregroundMark x1="8015" y1="52321" x2="16485" y2="73750"/>
+                          <a14:foregroundMark x1="16485" y1="73750" x2="15938" y2="73214"/>
+                          <a14:foregroundMark x1="7195" y1="60357" x2="27687" y2="86964"/>
+                          <a14:foregroundMark x1="27687" y1="86964" x2="48998" y2="92321"/>
+                          <a14:foregroundMark x1="34882" y1="88571" x2="62113" y2="90089"/>
+                          <a14:foregroundMark x1="77960" y1="79286" x2="87978" y2="53929"/>
+                          <a14:foregroundMark x1="87978" y1="53929" x2="86430" y2="41786"/>
+                          <a14:foregroundMark x1="88798" y1="52857" x2="83515" y2="29464"/>
+                          <a14:foregroundMark x1="83515" y1="29464" x2="83151" y2="29464"/>
+                          <a14:foregroundMark x1="92077" y1="53571" x2="90528" y2="47321"/>
+                          <a14:foregroundMark x1="14663" y1="25179" x2="8015" y2="43571"/>
+                          <a14:foregroundMark x1="12113" y1="29196" x2="6193" y2="43839"/>
+                          <a14:foregroundMark x1="5647" y1="43304" x2="12386" y2="25982"/>
+                          <a14:foregroundMark x1="11566" y1="25714" x2="3643" y2="46607"/>
+                          <a14:backgroundMark x1="6740" y1="30446" x2="8288" y2="21964"/>
+                          <a14:backgroundMark x1="10018" y1="24732" x2="7468" y2="28214"/>
+                          <a14:backgroundMark x1="9745" y1="24464" x2="5920" y2="31696"/>
+                          <a14:backgroundMark x1="8865" y1="28480" x2="7013" y2="31250"/>
+                          <a14:backgroundMark x1="12386" y1="23214" x2="10875" y2="25473"/>
+                          <a14:backgroundMark x1="9884" y1="25794" x2="7013" y2="30268"/>
+                          <a14:backgroundMark x1="10565" y1="24732" x2="10233" y2="25249"/>
+                          <a14:backgroundMark x1="7468" y1="28482" x2="5647" y2="36786"/>
+                          <a14:backgroundMark x1="3370" y1="48839" x2="3916" y2="44018"/>
+                        </a14:backgroundRemoval>
+                      </a14:imgEffect>
+                    </a14:imgLayer>
+                  </a14:imgProps>
+                </a:ext>
+              </a:extLst>
+            </a:blip>
+            <a:srcRect l="3123" t="4072" r="4058" b="6123"/>
+            <a:stretch/>
+          </p:blipFill>
+          <p:spPr>
+            <a:xfrm>
+              <a:off x="6496762" y="886374"/>
+              <a:ext cx="1730235" cy="1723832"/>
+            </a:xfrm>
+            <a:prstGeom prst="rect">
+              <a:avLst/>
+            </a:prstGeom>
+          </p:spPr>
+        </p:pic>
+      </p:grpSp>
+      <p:sp>
+        <p:nvSpPr>
+          <p:cNvPr id="4" name="TextBox 3">
+            <a:extLst>
+              <a:ext uri="{FF2B5EF4-FFF2-40B4-BE49-F238E27FC236}">
+                <a16:creationId xmlns:a16="http://schemas.microsoft.com/office/drawing/2014/main" id="{7C0D7D32-9FEC-1FF6-56A8-1F188AAC8DF0}"/>
+              </a:ext>
+            </a:extLst>
+          </p:cNvPr>
+          <p:cNvSpPr txBox="1"/>
+          <p:nvPr/>
+        </p:nvSpPr>
+        <p:spPr>
+          <a:xfrm>
+            <a:off x="4427220" y="147934"/>
+            <a:ext cx="3337560" cy="461665"/>
+          </a:xfrm>
+          <a:prstGeom prst="rect">
+            <a:avLst/>
+          </a:prstGeom>
+          <a:solidFill>
+            <a:schemeClr val="bg1">
+              <a:lumMod val="95000"/>
+            </a:schemeClr>
+          </a:solidFill>
+          <a:ln>
+            <a:solidFill>
+              <a:schemeClr val="tx1"/>
+            </a:solidFill>
+          </a:ln>
+        </p:spPr>
+        <p:txBody>
+          <a:bodyPr wrap="square" rtlCol="0">
+            <a:spAutoFit/>
+          </a:bodyPr>
+          <a:lstStyle/>
+          <a:p>
+            <a:pPr algn="ctr"/>
+            <a:r>
+              <a:rPr lang="en-US" sz="2400" b="1" dirty="0"/>
+              <a:t>Sample Mount Render</a:t>
+            </a:r>
+            <a:endParaRPr lang="en-US" sz="2400" i="1" dirty="0"/>
+          </a:p>
+        </p:txBody>
+      </p:sp>
+    </p:spTree>
+    <p:extLst>
+      <p:ext uri="{BB962C8B-B14F-4D97-AF65-F5344CB8AC3E}">
+        <p14:creationId xmlns:p14="http://schemas.microsoft.com/office/powerpoint/2010/main" val="3193367851"/>
       </p:ext>
     </p:extLst>
   </p:cSld>
@@ -5928,13 +6421,13 @@
               </a:ext>
             </a:extLst>
           </a:blip>
-          <a:srcRect l="1233" t="2233" r="592"/>
+          <a:srcRect l="1233" t="3208" r="6056"/>
           <a:stretch/>
         </p:blipFill>
         <p:spPr bwMode="auto">
           <a:xfrm>
-            <a:off x="1748789" y="741955"/>
-            <a:ext cx="8694421" cy="5065187"/>
+            <a:off x="1935156" y="723900"/>
+            <a:ext cx="8321688" cy="5082540"/>
           </a:xfrm>
           <a:prstGeom prst="rect">
             <a:avLst/>
@@ -5987,7 +6480,7 @@
             <a:pPr algn="ctr"/>
             <a:r>
               <a:rPr lang="en-US" sz="2400" b="1" dirty="0"/>
-              <a:t>Copper Temperature Node Files</a:t>
+              <a:t>Boundary Analysis of Temperature for Copper Node</a:t>
             </a:r>
             <a:endParaRPr lang="en-US" sz="2400" i="1" dirty="0"/>
           </a:p>
@@ -6007,8 +6500,8 @@
         </p:nvSpPr>
         <p:spPr>
           <a:xfrm>
-            <a:off x="3146884" y="5904550"/>
-            <a:ext cx="5898230" cy="707886"/>
+            <a:off x="2663144" y="5900098"/>
+            <a:ext cx="6865709" cy="707886"/>
           </a:xfrm>
           <a:prstGeom prst="rect">
             <a:avLst/>
@@ -6023,7 +6516,7 @@
           <a:p>
             <a:r>
               <a:rPr lang="en-US" sz="2000" dirty="0"/>
-              <a:t>It is expected that after ~ 1 minute under liquid Nitrogen that the </a:t>
+              <a:t>It is expected that after ~ 100 seconds under, liquid Nitrogen flow, that the </a:t>
             </a:r>
             <a:r>
               <a:rPr lang="en-US" sz="2000" b="1" dirty="0"/>
@@ -6031,7 +6524,7 @@
             </a:r>
             <a:r>
               <a:rPr lang="en-US" sz="2000" dirty="0"/>
-              <a:t> will converge to </a:t>
+              <a:t> will converge onto </a:t>
             </a:r>
             <a:r>
               <a:rPr lang="en-US" sz="2000" b="1" dirty="0"/>
@@ -6291,10 +6784,10 @@
       </p:grpSpPr>
       <p:pic>
         <p:nvPicPr>
-          <p:cNvPr id="5" name="Picture 4">
-            <a:extLst>
-              <a:ext uri="{FF2B5EF4-FFF2-40B4-BE49-F238E27FC236}">
-                <a16:creationId xmlns:a16="http://schemas.microsoft.com/office/drawing/2014/main" id="{E3C4E4B3-F971-6EBE-6BFB-4C96F5F95C92}"/>
+          <p:cNvPr id="3" name="Picture 2">
+            <a:extLst>
+              <a:ext uri="{FF2B5EF4-FFF2-40B4-BE49-F238E27FC236}">
+                <a16:creationId xmlns:a16="http://schemas.microsoft.com/office/drawing/2014/main" id="{4A4AD0DF-2566-5343-CE68-2AAE8EE519CE}"/>
               </a:ext>
             </a:extLst>
           </p:cNvPr>
@@ -6305,7 +6798,7 @@
         </p:nvPicPr>
         <p:blipFill>
           <a:blip r:embed="rId3"/>
-          <a:srcRect l="1691" t="1990" r="1268" b="3554"/>
+          <a:srcRect l="1533" t="1914" r="1091" b="3071"/>
           <a:stretch/>
         </p:blipFill>
         <p:spPr>
@@ -6318,10 +6811,340 @@
           </a:prstGeom>
         </p:spPr>
       </p:pic>
+      <p:sp>
+        <p:nvSpPr>
+          <p:cNvPr id="4" name="TextBox 3">
+            <a:extLst>
+              <a:ext uri="{FF2B5EF4-FFF2-40B4-BE49-F238E27FC236}">
+                <a16:creationId xmlns:a16="http://schemas.microsoft.com/office/drawing/2014/main" id="{55FBFE0E-44BB-3429-D3B2-217B098563F7}"/>
+              </a:ext>
+            </a:extLst>
+          </p:cNvPr>
+          <p:cNvSpPr txBox="1"/>
+          <p:nvPr/>
+        </p:nvSpPr>
+        <p:spPr>
+          <a:xfrm>
+            <a:off x="4732020" y="126066"/>
+            <a:ext cx="2727960" cy="461665"/>
+          </a:xfrm>
+          <a:prstGeom prst="rect">
+            <a:avLst/>
+          </a:prstGeom>
+          <a:solidFill>
+            <a:schemeClr val="bg1">
+              <a:lumMod val="95000"/>
+            </a:schemeClr>
+          </a:solidFill>
+          <a:ln>
+            <a:solidFill>
+              <a:schemeClr val="tx1"/>
+            </a:solidFill>
+          </a:ln>
+        </p:spPr>
+        <p:txBody>
+          <a:bodyPr wrap="square" rtlCol="0">
+            <a:spAutoFit/>
+          </a:bodyPr>
+          <a:lstStyle/>
+          <a:p>
+            <a:pPr algn="ctr"/>
+            <a:r>
+              <a:rPr lang="en-US" sz="2400" b="1" dirty="0" err="1"/>
+              <a:t>KiCAD</a:t>
+            </a:r>
+            <a:r>
+              <a:rPr lang="en-US" sz="2400" b="1" dirty="0"/>
+              <a:t> Layer View</a:t>
+            </a:r>
+            <a:endParaRPr lang="en-US" sz="2400" i="1" dirty="0"/>
+          </a:p>
+        </p:txBody>
+      </p:sp>
     </p:spTree>
     <p:extLst>
       <p:ext uri="{BB962C8B-B14F-4D97-AF65-F5344CB8AC3E}">
         <p14:creationId xmlns:p14="http://schemas.microsoft.com/office/powerpoint/2010/main" val="2066660172"/>
+      </p:ext>
+    </p:extLst>
+  </p:cSld>
+  <p:clrMapOvr>
+    <a:masterClrMapping/>
+  </p:clrMapOvr>
+</p:sld>
+</file>
+
+<file path=ppt/slides/slide9.xml><?xml version="1.0" encoding="utf-8"?>
+<p:sld xmlns:a="http://schemas.openxmlformats.org/drawingml/2006/main" xmlns:r="http://schemas.openxmlformats.org/officeDocument/2006/relationships" xmlns:p="http://schemas.openxmlformats.org/presentationml/2006/main">
+  <p:cSld>
+    <p:spTree>
+      <p:nvGrpSpPr>
+        <p:cNvPr id="1" name=""/>
+        <p:cNvGrpSpPr/>
+        <p:nvPr/>
+      </p:nvGrpSpPr>
+      <p:grpSpPr>
+        <a:xfrm>
+          <a:off x="0" y="0"/>
+          <a:ext cx="0" cy="0"/>
+          <a:chOff x="0" y="0"/>
+          <a:chExt cx="0" cy="0"/>
+        </a:xfrm>
+      </p:grpSpPr>
+      <p:grpSp>
+        <p:nvGrpSpPr>
+          <p:cNvPr id="27" name="Group 26">
+            <a:extLst>
+              <a:ext uri="{FF2B5EF4-FFF2-40B4-BE49-F238E27FC236}">
+                <a16:creationId xmlns:a16="http://schemas.microsoft.com/office/drawing/2014/main" id="{D228C630-9B0E-4363-34DE-7BF98B71CA88}"/>
+              </a:ext>
+            </a:extLst>
+          </p:cNvPr>
+          <p:cNvGrpSpPr/>
+          <p:nvPr/>
+        </p:nvGrpSpPr>
+        <p:grpSpPr>
+          <a:xfrm>
+            <a:off x="0" y="723898"/>
+            <a:ext cx="12192000" cy="3680462"/>
+            <a:chOff x="-1" y="-2"/>
+            <a:chExt cx="12192000" cy="3680462"/>
+          </a:xfrm>
+        </p:grpSpPr>
+        <p:grpSp>
+          <p:nvGrpSpPr>
+            <p:cNvPr id="26" name="Group 25">
+              <a:extLst>
+                <a:ext uri="{FF2B5EF4-FFF2-40B4-BE49-F238E27FC236}">
+                  <a16:creationId xmlns:a16="http://schemas.microsoft.com/office/drawing/2014/main" id="{C5B0D86D-D699-1976-3AB1-B39E3A6715B2}"/>
+                </a:ext>
+              </a:extLst>
+            </p:cNvPr>
+            <p:cNvGrpSpPr/>
+            <p:nvPr/>
+          </p:nvGrpSpPr>
+          <p:grpSpPr>
+            <a:xfrm>
+              <a:off x="-1" y="0"/>
+              <a:ext cx="6106880" cy="3680460"/>
+              <a:chOff x="50969" y="0"/>
+              <a:chExt cx="5835481" cy="3364100"/>
+            </a:xfrm>
+          </p:grpSpPr>
+          <p:pic>
+            <p:nvPicPr>
+              <p:cNvPr id="5" name="Picture 4">
+                <a:extLst>
+                  <a:ext uri="{FF2B5EF4-FFF2-40B4-BE49-F238E27FC236}">
+                    <a16:creationId xmlns:a16="http://schemas.microsoft.com/office/drawing/2014/main" id="{8FBBADA2-F9DF-F2C6-A3EB-8C9A7E13B63F}"/>
+                  </a:ext>
+                </a:extLst>
+              </p:cNvPr>
+              <p:cNvPicPr>
+                <a:picLocks noChangeAspect="1"/>
+              </p:cNvPicPr>
+              <p:nvPr/>
+            </p:nvPicPr>
+            <p:blipFill>
+              <a:blip r:embed="rId2"/>
+              <a:srcRect l="54938" r="-1"/>
+              <a:stretch/>
+            </p:blipFill>
+            <p:spPr>
+              <a:xfrm>
+                <a:off x="50969" y="1"/>
+                <a:ext cx="2820210" cy="3364099"/>
+              </a:xfrm>
+              <a:prstGeom prst="rect">
+                <a:avLst/>
+              </a:prstGeom>
+            </p:spPr>
+          </p:pic>
+          <p:pic>
+            <p:nvPicPr>
+              <p:cNvPr id="8" name="Picture 7">
+                <a:extLst>
+                  <a:ext uri="{FF2B5EF4-FFF2-40B4-BE49-F238E27FC236}">
+                    <a16:creationId xmlns:a16="http://schemas.microsoft.com/office/drawing/2014/main" id="{92090712-CB11-E07C-39E0-B39434878E8A}"/>
+                  </a:ext>
+                </a:extLst>
+              </p:cNvPr>
+              <p:cNvPicPr>
+                <a:picLocks noChangeAspect="1"/>
+              </p:cNvPicPr>
+              <p:nvPr/>
+            </p:nvPicPr>
+            <p:blipFill>
+              <a:blip r:embed="rId2"/>
+              <a:srcRect l="-431" r="51419"/>
+              <a:stretch/>
+            </p:blipFill>
+            <p:spPr>
+              <a:xfrm>
+                <a:off x="2819104" y="0"/>
+                <a:ext cx="3067346" cy="3364099"/>
+              </a:xfrm>
+              <a:prstGeom prst="rect">
+                <a:avLst/>
+              </a:prstGeom>
+            </p:spPr>
+          </p:pic>
+        </p:grpSp>
+        <p:grpSp>
+          <p:nvGrpSpPr>
+            <p:cNvPr id="25" name="Group 24">
+              <a:extLst>
+                <a:ext uri="{FF2B5EF4-FFF2-40B4-BE49-F238E27FC236}">
+                  <a16:creationId xmlns:a16="http://schemas.microsoft.com/office/drawing/2014/main" id="{F5EDC5E0-5F50-4955-0170-20844E2683AB}"/>
+                </a:ext>
+              </a:extLst>
+            </p:cNvPr>
+            <p:cNvGrpSpPr/>
+            <p:nvPr/>
+          </p:nvGrpSpPr>
+          <p:grpSpPr>
+            <a:xfrm>
+              <a:off x="6096000" y="-2"/>
+              <a:ext cx="6095999" cy="3680462"/>
+              <a:chOff x="0" y="3364100"/>
+              <a:chExt cx="5886450" cy="3493900"/>
+            </a:xfrm>
+          </p:grpSpPr>
+          <p:pic>
+            <p:nvPicPr>
+              <p:cNvPr id="11" name="Picture 10">
+                <a:extLst>
+                  <a:ext uri="{FF2B5EF4-FFF2-40B4-BE49-F238E27FC236}">
+                    <a16:creationId xmlns:a16="http://schemas.microsoft.com/office/drawing/2014/main" id="{34F95FDD-D6D5-7ABA-F81D-688F01ACCD18}"/>
+                  </a:ext>
+                </a:extLst>
+              </p:cNvPr>
+              <p:cNvPicPr>
+                <a:picLocks noChangeAspect="1"/>
+              </p:cNvPicPr>
+              <p:nvPr/>
+            </p:nvPicPr>
+            <p:blipFill>
+              <a:blip r:embed="rId3"/>
+              <a:srcRect l="57076" r="580"/>
+              <a:stretch/>
+            </p:blipFill>
+            <p:spPr>
+              <a:xfrm>
+                <a:off x="3067346" y="3364100"/>
+                <a:ext cx="2819104" cy="3493900"/>
+              </a:xfrm>
+              <a:prstGeom prst="rect">
+                <a:avLst/>
+              </a:prstGeom>
+            </p:spPr>
+          </p:pic>
+          <p:pic>
+            <p:nvPicPr>
+              <p:cNvPr id="7" name="Picture 6">
+                <a:extLst>
+                  <a:ext uri="{FF2B5EF4-FFF2-40B4-BE49-F238E27FC236}">
+                    <a16:creationId xmlns:a16="http://schemas.microsoft.com/office/drawing/2014/main" id="{A7503CBC-2DF5-5C97-3C4D-5BD2107897FA}"/>
+                  </a:ext>
+                </a:extLst>
+              </p:cNvPr>
+              <p:cNvPicPr>
+                <a:picLocks noChangeAspect="1"/>
+              </p:cNvPicPr>
+              <p:nvPr/>
+            </p:nvPicPr>
+            <p:blipFill>
+              <a:blip r:embed="rId3"/>
+              <a:srcRect l="4373" r="53283"/>
+              <a:stretch/>
+            </p:blipFill>
+            <p:spPr>
+              <a:xfrm>
+                <a:off x="0" y="3364100"/>
+                <a:ext cx="2819104" cy="3493900"/>
+              </a:xfrm>
+              <a:prstGeom prst="rect">
+                <a:avLst/>
+              </a:prstGeom>
+            </p:spPr>
+          </p:pic>
+          <p:pic>
+            <p:nvPicPr>
+              <p:cNvPr id="10" name="Picture 9">
+                <a:extLst>
+                  <a:ext uri="{FF2B5EF4-FFF2-40B4-BE49-F238E27FC236}">
+                    <a16:creationId xmlns:a16="http://schemas.microsoft.com/office/drawing/2014/main" id="{5BDE56BC-005A-3CC2-29A5-4DB17D9A5F6E}"/>
+                  </a:ext>
+                </a:extLst>
+              </p:cNvPr>
+              <p:cNvPicPr>
+                <a:picLocks noChangeAspect="1"/>
+              </p:cNvPicPr>
+              <p:nvPr/>
+            </p:nvPicPr>
+            <p:blipFill>
+              <a:blip r:embed="rId3"/>
+              <a:srcRect l="-111" r="95738"/>
+              <a:stretch/>
+            </p:blipFill>
+            <p:spPr>
+              <a:xfrm>
+                <a:off x="2787150" y="3364100"/>
+                <a:ext cx="291141" cy="3493900"/>
+              </a:xfrm>
+              <a:prstGeom prst="rect">
+                <a:avLst/>
+              </a:prstGeom>
+            </p:spPr>
+          </p:pic>
+        </p:grpSp>
+      </p:grpSp>
+      <p:sp>
+        <p:nvSpPr>
+          <p:cNvPr id="28" name="TextBox 27">
+            <a:extLst>
+              <a:ext uri="{FF2B5EF4-FFF2-40B4-BE49-F238E27FC236}">
+                <a16:creationId xmlns:a16="http://schemas.microsoft.com/office/drawing/2014/main" id="{9411DDDE-A1F2-5F84-1019-407CD089D42D}"/>
+              </a:ext>
+            </a:extLst>
+          </p:cNvPr>
+          <p:cNvSpPr txBox="1"/>
+          <p:nvPr/>
+        </p:nvSpPr>
+        <p:spPr>
+          <a:xfrm>
+            <a:off x="1748789" y="168577"/>
+            <a:ext cx="8694421" cy="461665"/>
+          </a:xfrm>
+          <a:prstGeom prst="rect">
+            <a:avLst/>
+          </a:prstGeom>
+          <a:noFill/>
+          <a:ln>
+            <a:solidFill>
+              <a:schemeClr val="tx1"/>
+            </a:solidFill>
+          </a:ln>
+        </p:spPr>
+        <p:txBody>
+          <a:bodyPr wrap="square" rtlCol="0">
+            <a:spAutoFit/>
+          </a:bodyPr>
+          <a:lstStyle/>
+          <a:p>
+            <a:pPr algn="ctr"/>
+            <a:r>
+              <a:rPr lang="en-US" sz="2400" b="1" dirty="0"/>
+              <a:t>PCB Card Render</a:t>
+            </a:r>
+            <a:endParaRPr lang="en-US" sz="2400" i="1" dirty="0"/>
+          </a:p>
+        </p:txBody>
+      </p:sp>
+    </p:spTree>
+    <p:extLst>
+      <p:ext uri="{BB962C8B-B14F-4D97-AF65-F5344CB8AC3E}">
+        <p14:creationId xmlns:p14="http://schemas.microsoft.com/office/powerpoint/2010/main" val="841262576"/>
       </p:ext>
     </p:extLst>
   </p:cSld>
